--- a/doc/3주차 스터디 IDE.pptx
+++ b/doc/3주차 스터디 IDE.pptx
@@ -167,10 +167,9 @@
           <a:lstStyle/>
           <a:p>
             <a:r>
-              <a:rPr lang="ko-KR" altLang="en-US" smtClean="0"/>
+              <a:rPr lang="ko-KR" altLang="en-US"/>
               <a:t>마스터 제목 스타일 편집</a:t>
             </a:r>
-            <a:endParaRPr lang="ko-KR" altLang="en-US"/>
           </a:p>
         </p:txBody>
       </p:sp>
@@ -286,10 +285,9 @@
           </a:lstStyle>
           <a:p>
             <a:r>
-              <a:rPr lang="ko-KR" altLang="en-US" smtClean="0"/>
+              <a:rPr lang="ko-KR" altLang="en-US"/>
               <a:t>마스터 부제목 스타일 편집</a:t>
             </a:r>
-            <a:endParaRPr lang="ko-KR" altLang="en-US"/>
           </a:p>
         </p:txBody>
       </p:sp>
@@ -311,7 +309,7 @@
             <a:fld id="{CD6DEE77-0C1D-458A-9EBD-426B5B8D0F81}" type="datetimeFigureOut">
               <a:rPr lang="ko-KR" altLang="en-US" smtClean="0"/>
               <a:pPr/>
-              <a:t>2019-07-19</a:t>
+              <a:t>2019-07-26</a:t>
             </a:fld>
             <a:endParaRPr lang="ko-KR" altLang="en-US"/>
           </a:p>
@@ -401,10 +399,9 @@
           <a:lstStyle/>
           <a:p>
             <a:r>
-              <a:rPr lang="ko-KR" altLang="en-US" smtClean="0"/>
+              <a:rPr lang="ko-KR" altLang="en-US"/>
               <a:t>마스터 제목 스타일 편집</a:t>
             </a:r>
-            <a:endParaRPr lang="ko-KR" altLang="en-US"/>
           </a:p>
         </p:txBody>
       </p:sp>
@@ -425,38 +422,37 @@
           <a:p>
             <a:pPr lvl="0"/>
             <a:r>
-              <a:rPr lang="ko-KR" altLang="en-US" smtClean="0"/>
+              <a:rPr lang="ko-KR" altLang="en-US"/>
               <a:t>마스터 텍스트 스타일을 편집합니다</a:t>
             </a:r>
           </a:p>
           <a:p>
             <a:pPr lvl="1"/>
             <a:r>
-              <a:rPr lang="ko-KR" altLang="en-US" smtClean="0"/>
+              <a:rPr lang="ko-KR" altLang="en-US"/>
               <a:t>둘째 수준</a:t>
             </a:r>
           </a:p>
           <a:p>
             <a:pPr lvl="2"/>
             <a:r>
-              <a:rPr lang="ko-KR" altLang="en-US" smtClean="0"/>
+              <a:rPr lang="ko-KR" altLang="en-US"/>
               <a:t>셋째 수준</a:t>
             </a:r>
           </a:p>
           <a:p>
             <a:pPr lvl="3"/>
             <a:r>
-              <a:rPr lang="ko-KR" altLang="en-US" smtClean="0"/>
+              <a:rPr lang="ko-KR" altLang="en-US"/>
               <a:t>넷째 수준</a:t>
             </a:r>
           </a:p>
           <a:p>
             <a:pPr lvl="4"/>
             <a:r>
-              <a:rPr lang="ko-KR" altLang="en-US" smtClean="0"/>
+              <a:rPr lang="ko-KR" altLang="en-US"/>
               <a:t>다섯째 수준</a:t>
             </a:r>
-            <a:endParaRPr lang="ko-KR" altLang="en-US"/>
           </a:p>
         </p:txBody>
       </p:sp>
@@ -478,7 +474,7 @@
             <a:fld id="{CD6DEE77-0C1D-458A-9EBD-426B5B8D0F81}" type="datetimeFigureOut">
               <a:rPr lang="ko-KR" altLang="en-US" smtClean="0"/>
               <a:pPr/>
-              <a:t>2019-07-19</a:t>
+              <a:t>2019-07-26</a:t>
             </a:fld>
             <a:endParaRPr lang="ko-KR" altLang="en-US"/>
           </a:p>
@@ -573,10 +569,9 @@
           <a:lstStyle/>
           <a:p>
             <a:r>
-              <a:rPr lang="ko-KR" altLang="en-US" smtClean="0"/>
+              <a:rPr lang="ko-KR" altLang="en-US"/>
               <a:t>마스터 제목 스타일 편집</a:t>
             </a:r>
-            <a:endParaRPr lang="ko-KR" altLang="en-US"/>
           </a:p>
         </p:txBody>
       </p:sp>
@@ -602,38 +597,37 @@
           <a:p>
             <a:pPr lvl="0"/>
             <a:r>
-              <a:rPr lang="ko-KR" altLang="en-US" smtClean="0"/>
+              <a:rPr lang="ko-KR" altLang="en-US"/>
               <a:t>마스터 텍스트 스타일을 편집합니다</a:t>
             </a:r>
           </a:p>
           <a:p>
             <a:pPr lvl="1"/>
             <a:r>
-              <a:rPr lang="ko-KR" altLang="en-US" smtClean="0"/>
+              <a:rPr lang="ko-KR" altLang="en-US"/>
               <a:t>둘째 수준</a:t>
             </a:r>
           </a:p>
           <a:p>
             <a:pPr lvl="2"/>
             <a:r>
-              <a:rPr lang="ko-KR" altLang="en-US" smtClean="0"/>
+              <a:rPr lang="ko-KR" altLang="en-US"/>
               <a:t>셋째 수준</a:t>
             </a:r>
           </a:p>
           <a:p>
             <a:pPr lvl="3"/>
             <a:r>
-              <a:rPr lang="ko-KR" altLang="en-US" smtClean="0"/>
+              <a:rPr lang="ko-KR" altLang="en-US"/>
               <a:t>넷째 수준</a:t>
             </a:r>
           </a:p>
           <a:p>
             <a:pPr lvl="4"/>
             <a:r>
-              <a:rPr lang="ko-KR" altLang="en-US" smtClean="0"/>
+              <a:rPr lang="ko-KR" altLang="en-US"/>
               <a:t>다섯째 수준</a:t>
             </a:r>
-            <a:endParaRPr lang="ko-KR" altLang="en-US"/>
           </a:p>
         </p:txBody>
       </p:sp>
@@ -655,7 +649,7 @@
             <a:fld id="{CD6DEE77-0C1D-458A-9EBD-426B5B8D0F81}" type="datetimeFigureOut">
               <a:rPr lang="ko-KR" altLang="en-US" smtClean="0"/>
               <a:pPr/>
-              <a:t>2019-07-19</a:t>
+              <a:t>2019-07-26</a:t>
             </a:fld>
             <a:endParaRPr lang="ko-KR" altLang="en-US"/>
           </a:p>
@@ -753,10 +747,9 @@
           <a:lstStyle/>
           <a:p>
             <a:r>
-              <a:rPr lang="ko-KR" altLang="en-US" smtClean="0"/>
+              <a:rPr lang="ko-KR" altLang="en-US"/>
               <a:t>마스터 제목 스타일 편집</a:t>
             </a:r>
-            <a:endParaRPr lang="ko-KR" altLang="en-US"/>
           </a:p>
         </p:txBody>
       </p:sp>
@@ -777,38 +770,37 @@
           <a:p>
             <a:pPr lvl="0"/>
             <a:r>
-              <a:rPr lang="ko-KR" altLang="en-US" dirty="0" smtClean="0"/>
+              <a:rPr lang="ko-KR" altLang="en-US" dirty="0"/>
               <a:t>마스터 텍스트 스타일을 편집합니다</a:t>
             </a:r>
           </a:p>
           <a:p>
             <a:pPr lvl="1"/>
             <a:r>
-              <a:rPr lang="ko-KR" altLang="en-US" dirty="0" smtClean="0"/>
+              <a:rPr lang="ko-KR" altLang="en-US" dirty="0"/>
               <a:t>둘째 수준</a:t>
             </a:r>
           </a:p>
           <a:p>
             <a:pPr lvl="2"/>
             <a:r>
-              <a:rPr lang="ko-KR" altLang="en-US" dirty="0" smtClean="0"/>
+              <a:rPr lang="ko-KR" altLang="en-US" dirty="0"/>
               <a:t>셋째 수준</a:t>
             </a:r>
           </a:p>
           <a:p>
             <a:pPr lvl="3"/>
             <a:r>
-              <a:rPr lang="ko-KR" altLang="en-US" dirty="0" smtClean="0"/>
+              <a:rPr lang="ko-KR" altLang="en-US" dirty="0"/>
               <a:t>넷째 수준</a:t>
             </a:r>
           </a:p>
           <a:p>
             <a:pPr lvl="4"/>
             <a:r>
-              <a:rPr lang="ko-KR" altLang="en-US" dirty="0" smtClean="0"/>
+              <a:rPr lang="ko-KR" altLang="en-US" dirty="0"/>
               <a:t>다섯째 수준</a:t>
             </a:r>
-            <a:endParaRPr lang="ko-KR" altLang="en-US" dirty="0"/>
           </a:p>
         </p:txBody>
       </p:sp>
@@ -830,7 +822,7 @@
             <a:fld id="{CD6DEE77-0C1D-458A-9EBD-426B5B8D0F81}" type="datetimeFigureOut">
               <a:rPr lang="ko-KR" altLang="en-US" smtClean="0"/>
               <a:pPr/>
-              <a:t>2019-07-19</a:t>
+              <a:t>2019-07-26</a:t>
             </a:fld>
             <a:endParaRPr lang="ko-KR" altLang="en-US"/>
           </a:p>
@@ -929,10 +921,9 @@
           </a:lstStyle>
           <a:p>
             <a:r>
-              <a:rPr lang="ko-KR" altLang="en-US" smtClean="0"/>
+              <a:rPr lang="ko-KR" altLang="en-US"/>
               <a:t>마스터 제목 스타일 편집</a:t>
             </a:r>
-            <a:endParaRPr lang="ko-KR" altLang="en-US"/>
           </a:p>
         </p:txBody>
       </p:sp>
@@ -1049,7 +1040,7 @@
           <a:p>
             <a:pPr lvl="0"/>
             <a:r>
-              <a:rPr lang="ko-KR" altLang="en-US" smtClean="0"/>
+              <a:rPr lang="ko-KR" altLang="en-US"/>
               <a:t>마스터 텍스트 스타일을 편집합니다</a:t>
             </a:r>
           </a:p>
@@ -1073,7 +1064,7 @@
             <a:fld id="{CD6DEE77-0C1D-458A-9EBD-426B5B8D0F81}" type="datetimeFigureOut">
               <a:rPr lang="ko-KR" altLang="en-US" smtClean="0"/>
               <a:pPr/>
-              <a:t>2019-07-19</a:t>
+              <a:t>2019-07-26</a:t>
             </a:fld>
             <a:endParaRPr lang="ko-KR" altLang="en-US"/>
           </a:p>
@@ -1163,10 +1154,9 @@
           <a:lstStyle/>
           <a:p>
             <a:r>
-              <a:rPr lang="ko-KR" altLang="en-US" smtClean="0"/>
+              <a:rPr lang="ko-KR" altLang="en-US"/>
               <a:t>마스터 제목 스타일 편집</a:t>
             </a:r>
-            <a:endParaRPr lang="ko-KR" altLang="en-US"/>
           </a:p>
         </p:txBody>
       </p:sp>
@@ -1220,38 +1210,37 @@
           <a:p>
             <a:pPr lvl="0"/>
             <a:r>
-              <a:rPr lang="ko-KR" altLang="en-US" smtClean="0"/>
+              <a:rPr lang="ko-KR" altLang="en-US"/>
               <a:t>마스터 텍스트 스타일을 편집합니다</a:t>
             </a:r>
           </a:p>
           <a:p>
             <a:pPr lvl="1"/>
             <a:r>
-              <a:rPr lang="ko-KR" altLang="en-US" smtClean="0"/>
+              <a:rPr lang="ko-KR" altLang="en-US"/>
               <a:t>둘째 수준</a:t>
             </a:r>
           </a:p>
           <a:p>
             <a:pPr lvl="2"/>
             <a:r>
-              <a:rPr lang="ko-KR" altLang="en-US" smtClean="0"/>
+              <a:rPr lang="ko-KR" altLang="en-US"/>
               <a:t>셋째 수준</a:t>
             </a:r>
           </a:p>
           <a:p>
             <a:pPr lvl="3"/>
             <a:r>
-              <a:rPr lang="ko-KR" altLang="en-US" smtClean="0"/>
+              <a:rPr lang="ko-KR" altLang="en-US"/>
               <a:t>넷째 수준</a:t>
             </a:r>
           </a:p>
           <a:p>
             <a:pPr lvl="4"/>
             <a:r>
-              <a:rPr lang="ko-KR" altLang="en-US" smtClean="0"/>
+              <a:rPr lang="ko-KR" altLang="en-US"/>
               <a:t>다섯째 수준</a:t>
             </a:r>
-            <a:endParaRPr lang="ko-KR" altLang="en-US"/>
           </a:p>
         </p:txBody>
       </p:sp>
@@ -1305,38 +1294,37 @@
           <a:p>
             <a:pPr lvl="0"/>
             <a:r>
-              <a:rPr lang="ko-KR" altLang="en-US" smtClean="0"/>
+              <a:rPr lang="ko-KR" altLang="en-US"/>
               <a:t>마스터 텍스트 스타일을 편집합니다</a:t>
             </a:r>
           </a:p>
           <a:p>
             <a:pPr lvl="1"/>
             <a:r>
-              <a:rPr lang="ko-KR" altLang="en-US" smtClean="0"/>
+              <a:rPr lang="ko-KR" altLang="en-US"/>
               <a:t>둘째 수준</a:t>
             </a:r>
           </a:p>
           <a:p>
             <a:pPr lvl="2"/>
             <a:r>
-              <a:rPr lang="ko-KR" altLang="en-US" smtClean="0"/>
+              <a:rPr lang="ko-KR" altLang="en-US"/>
               <a:t>셋째 수준</a:t>
             </a:r>
           </a:p>
           <a:p>
             <a:pPr lvl="3"/>
             <a:r>
-              <a:rPr lang="ko-KR" altLang="en-US" smtClean="0"/>
+              <a:rPr lang="ko-KR" altLang="en-US"/>
               <a:t>넷째 수준</a:t>
             </a:r>
           </a:p>
           <a:p>
             <a:pPr lvl="4"/>
             <a:r>
-              <a:rPr lang="ko-KR" altLang="en-US" smtClean="0"/>
+              <a:rPr lang="ko-KR" altLang="en-US"/>
               <a:t>다섯째 수준</a:t>
             </a:r>
-            <a:endParaRPr lang="ko-KR" altLang="en-US"/>
           </a:p>
         </p:txBody>
       </p:sp>
@@ -1358,7 +1346,7 @@
             <a:fld id="{CD6DEE77-0C1D-458A-9EBD-426B5B8D0F81}" type="datetimeFigureOut">
               <a:rPr lang="ko-KR" altLang="en-US" smtClean="0"/>
               <a:pPr/>
-              <a:t>2019-07-19</a:t>
+              <a:t>2019-07-26</a:t>
             </a:fld>
             <a:endParaRPr lang="ko-KR" altLang="en-US"/>
           </a:p>
@@ -1452,10 +1440,9 @@
           </a:lstStyle>
           <a:p>
             <a:r>
-              <a:rPr lang="ko-KR" altLang="en-US" smtClean="0"/>
+              <a:rPr lang="ko-KR" altLang="en-US"/>
               <a:t>마스터 제목 스타일 편집</a:t>
             </a:r>
-            <a:endParaRPr lang="ko-KR" altLang="en-US"/>
           </a:p>
         </p:txBody>
       </p:sp>
@@ -1518,7 +1505,7 @@
           <a:p>
             <a:pPr lvl="0"/>
             <a:r>
-              <a:rPr lang="ko-KR" altLang="en-US" smtClean="0"/>
+              <a:rPr lang="ko-KR" altLang="en-US"/>
               <a:t>마스터 텍스트 스타일을 편집합니다</a:t>
             </a:r>
           </a:p>
@@ -1574,38 +1561,37 @@
           <a:p>
             <a:pPr lvl="0"/>
             <a:r>
-              <a:rPr lang="ko-KR" altLang="en-US" smtClean="0"/>
+              <a:rPr lang="ko-KR" altLang="en-US"/>
               <a:t>마스터 텍스트 스타일을 편집합니다</a:t>
             </a:r>
           </a:p>
           <a:p>
             <a:pPr lvl="1"/>
             <a:r>
-              <a:rPr lang="ko-KR" altLang="en-US" smtClean="0"/>
+              <a:rPr lang="ko-KR" altLang="en-US"/>
               <a:t>둘째 수준</a:t>
             </a:r>
           </a:p>
           <a:p>
             <a:pPr lvl="2"/>
             <a:r>
-              <a:rPr lang="ko-KR" altLang="en-US" smtClean="0"/>
+              <a:rPr lang="ko-KR" altLang="en-US"/>
               <a:t>셋째 수준</a:t>
             </a:r>
           </a:p>
           <a:p>
             <a:pPr lvl="3"/>
             <a:r>
-              <a:rPr lang="ko-KR" altLang="en-US" smtClean="0"/>
+              <a:rPr lang="ko-KR" altLang="en-US"/>
               <a:t>넷째 수준</a:t>
             </a:r>
           </a:p>
           <a:p>
             <a:pPr lvl="4"/>
             <a:r>
-              <a:rPr lang="ko-KR" altLang="en-US" smtClean="0"/>
+              <a:rPr lang="ko-KR" altLang="en-US"/>
               <a:t>다섯째 수준</a:t>
             </a:r>
-            <a:endParaRPr lang="ko-KR" altLang="en-US"/>
           </a:p>
         </p:txBody>
       </p:sp>
@@ -1668,7 +1654,7 @@
           <a:p>
             <a:pPr lvl="0"/>
             <a:r>
-              <a:rPr lang="ko-KR" altLang="en-US" smtClean="0"/>
+              <a:rPr lang="ko-KR" altLang="en-US"/>
               <a:t>마스터 텍스트 스타일을 편집합니다</a:t>
             </a:r>
           </a:p>
@@ -1724,38 +1710,37 @@
           <a:p>
             <a:pPr lvl="0"/>
             <a:r>
-              <a:rPr lang="ko-KR" altLang="en-US" smtClean="0"/>
+              <a:rPr lang="ko-KR" altLang="en-US"/>
               <a:t>마스터 텍스트 스타일을 편집합니다</a:t>
             </a:r>
           </a:p>
           <a:p>
             <a:pPr lvl="1"/>
             <a:r>
-              <a:rPr lang="ko-KR" altLang="en-US" smtClean="0"/>
+              <a:rPr lang="ko-KR" altLang="en-US"/>
               <a:t>둘째 수준</a:t>
             </a:r>
           </a:p>
           <a:p>
             <a:pPr lvl="2"/>
             <a:r>
-              <a:rPr lang="ko-KR" altLang="en-US" smtClean="0"/>
+              <a:rPr lang="ko-KR" altLang="en-US"/>
               <a:t>셋째 수준</a:t>
             </a:r>
           </a:p>
           <a:p>
             <a:pPr lvl="3"/>
             <a:r>
-              <a:rPr lang="ko-KR" altLang="en-US" smtClean="0"/>
+              <a:rPr lang="ko-KR" altLang="en-US"/>
               <a:t>넷째 수준</a:t>
             </a:r>
           </a:p>
           <a:p>
             <a:pPr lvl="4"/>
             <a:r>
-              <a:rPr lang="ko-KR" altLang="en-US" smtClean="0"/>
+              <a:rPr lang="ko-KR" altLang="en-US"/>
               <a:t>다섯째 수준</a:t>
             </a:r>
-            <a:endParaRPr lang="ko-KR" altLang="en-US"/>
           </a:p>
         </p:txBody>
       </p:sp>
@@ -1777,7 +1762,7 @@
             <a:fld id="{CD6DEE77-0C1D-458A-9EBD-426B5B8D0F81}" type="datetimeFigureOut">
               <a:rPr lang="ko-KR" altLang="en-US" smtClean="0"/>
               <a:pPr/>
-              <a:t>2019-07-19</a:t>
+              <a:t>2019-07-26</a:t>
             </a:fld>
             <a:endParaRPr lang="ko-KR" altLang="en-US"/>
           </a:p>
@@ -1867,10 +1852,9 @@
           <a:lstStyle/>
           <a:p>
             <a:r>
-              <a:rPr lang="ko-KR" altLang="en-US" smtClean="0"/>
+              <a:rPr lang="ko-KR" altLang="en-US"/>
               <a:t>마스터 제목 스타일 편집</a:t>
             </a:r>
-            <a:endParaRPr lang="ko-KR" altLang="en-US"/>
           </a:p>
         </p:txBody>
       </p:sp>
@@ -1892,7 +1876,7 @@
             <a:fld id="{CD6DEE77-0C1D-458A-9EBD-426B5B8D0F81}" type="datetimeFigureOut">
               <a:rPr lang="ko-KR" altLang="en-US" smtClean="0"/>
               <a:pPr/>
-              <a:t>2019-07-19</a:t>
+              <a:t>2019-07-26</a:t>
             </a:fld>
             <a:endParaRPr lang="ko-KR" altLang="en-US"/>
           </a:p>
@@ -1984,7 +1968,7 @@
             <a:fld id="{CD6DEE77-0C1D-458A-9EBD-426B5B8D0F81}" type="datetimeFigureOut">
               <a:rPr lang="ko-KR" altLang="en-US" smtClean="0"/>
               <a:pPr/>
-              <a:t>2019-07-19</a:t>
+              <a:t>2019-07-26</a:t>
             </a:fld>
             <a:endParaRPr lang="ko-KR" altLang="en-US"/>
           </a:p>
@@ -2083,10 +2067,9 @@
           </a:lstStyle>
           <a:p>
             <a:r>
-              <a:rPr lang="ko-KR" altLang="en-US" smtClean="0"/>
+              <a:rPr lang="ko-KR" altLang="en-US"/>
               <a:t>마스터 제목 스타일 편집</a:t>
             </a:r>
-            <a:endParaRPr lang="ko-KR" altLang="en-US"/>
           </a:p>
         </p:txBody>
       </p:sp>
@@ -2140,38 +2123,37 @@
           <a:p>
             <a:pPr lvl="0"/>
             <a:r>
-              <a:rPr lang="ko-KR" altLang="en-US" smtClean="0"/>
+              <a:rPr lang="ko-KR" altLang="en-US"/>
               <a:t>마스터 텍스트 스타일을 편집합니다</a:t>
             </a:r>
           </a:p>
           <a:p>
             <a:pPr lvl="1"/>
             <a:r>
-              <a:rPr lang="ko-KR" altLang="en-US" smtClean="0"/>
+              <a:rPr lang="ko-KR" altLang="en-US"/>
               <a:t>둘째 수준</a:t>
             </a:r>
           </a:p>
           <a:p>
             <a:pPr lvl="2"/>
             <a:r>
-              <a:rPr lang="ko-KR" altLang="en-US" smtClean="0"/>
+              <a:rPr lang="ko-KR" altLang="en-US"/>
               <a:t>셋째 수준</a:t>
             </a:r>
           </a:p>
           <a:p>
             <a:pPr lvl="3"/>
             <a:r>
-              <a:rPr lang="ko-KR" altLang="en-US" smtClean="0"/>
+              <a:rPr lang="ko-KR" altLang="en-US"/>
               <a:t>넷째 수준</a:t>
             </a:r>
           </a:p>
           <a:p>
             <a:pPr lvl="4"/>
             <a:r>
-              <a:rPr lang="ko-KR" altLang="en-US" smtClean="0"/>
+              <a:rPr lang="ko-KR" altLang="en-US"/>
               <a:t>다섯째 수준</a:t>
             </a:r>
-            <a:endParaRPr lang="ko-KR" altLang="en-US"/>
           </a:p>
         </p:txBody>
       </p:sp>
@@ -2234,7 +2216,7 @@
           <a:p>
             <a:pPr lvl="0"/>
             <a:r>
-              <a:rPr lang="ko-KR" altLang="en-US" smtClean="0"/>
+              <a:rPr lang="ko-KR" altLang="en-US"/>
               <a:t>마스터 텍스트 스타일을 편집합니다</a:t>
             </a:r>
           </a:p>
@@ -2258,7 +2240,7 @@
             <a:fld id="{CD6DEE77-0C1D-458A-9EBD-426B5B8D0F81}" type="datetimeFigureOut">
               <a:rPr lang="ko-KR" altLang="en-US" smtClean="0"/>
               <a:pPr/>
-              <a:t>2019-07-19</a:t>
+              <a:t>2019-07-26</a:t>
             </a:fld>
             <a:endParaRPr lang="ko-KR" altLang="en-US"/>
           </a:p>
@@ -2357,10 +2339,9 @@
           </a:lstStyle>
           <a:p>
             <a:r>
-              <a:rPr lang="ko-KR" altLang="en-US" smtClean="0"/>
+              <a:rPr lang="ko-KR" altLang="en-US"/>
               <a:t>마스터 제목 스타일 편집</a:t>
             </a:r>
-            <a:endParaRPr lang="ko-KR" altLang="en-US"/>
           </a:p>
         </p:txBody>
       </p:sp>
@@ -2484,7 +2465,7 @@
           <a:p>
             <a:pPr lvl="0"/>
             <a:r>
-              <a:rPr lang="ko-KR" altLang="en-US" smtClean="0"/>
+              <a:rPr lang="ko-KR" altLang="en-US"/>
               <a:t>마스터 텍스트 스타일을 편집합니다</a:t>
             </a:r>
           </a:p>
@@ -2508,7 +2489,7 @@
             <a:fld id="{CD6DEE77-0C1D-458A-9EBD-426B5B8D0F81}" type="datetimeFigureOut">
               <a:rPr lang="ko-KR" altLang="en-US" smtClean="0"/>
               <a:pPr/>
-              <a:t>2019-07-19</a:t>
+              <a:t>2019-07-26</a:t>
             </a:fld>
             <a:endParaRPr lang="ko-KR" altLang="en-US"/>
           </a:p>
@@ -2613,10 +2594,9 @@
           <a:lstStyle/>
           <a:p>
             <a:r>
-              <a:rPr lang="ko-KR" altLang="en-US" smtClean="0"/>
+              <a:rPr lang="ko-KR" altLang="en-US"/>
               <a:t>마스터 제목 스타일 편집</a:t>
             </a:r>
-            <a:endParaRPr lang="ko-KR" altLang="en-US"/>
           </a:p>
         </p:txBody>
       </p:sp>
@@ -2647,38 +2627,37 @@
           <a:p>
             <a:pPr lvl="0"/>
             <a:r>
-              <a:rPr lang="ko-KR" altLang="en-US" smtClean="0"/>
+              <a:rPr lang="ko-KR" altLang="en-US"/>
               <a:t>마스터 텍스트 스타일을 편집합니다</a:t>
             </a:r>
           </a:p>
           <a:p>
             <a:pPr lvl="1"/>
             <a:r>
-              <a:rPr lang="ko-KR" altLang="en-US" smtClean="0"/>
+              <a:rPr lang="ko-KR" altLang="en-US"/>
               <a:t>둘째 수준</a:t>
             </a:r>
           </a:p>
           <a:p>
             <a:pPr lvl="2"/>
             <a:r>
-              <a:rPr lang="ko-KR" altLang="en-US" smtClean="0"/>
+              <a:rPr lang="ko-KR" altLang="en-US"/>
               <a:t>셋째 수준</a:t>
             </a:r>
           </a:p>
           <a:p>
             <a:pPr lvl="3"/>
             <a:r>
-              <a:rPr lang="ko-KR" altLang="en-US" smtClean="0"/>
+              <a:rPr lang="ko-KR" altLang="en-US"/>
               <a:t>넷째 수준</a:t>
             </a:r>
           </a:p>
           <a:p>
             <a:pPr lvl="4"/>
             <a:r>
-              <a:rPr lang="ko-KR" altLang="en-US" smtClean="0"/>
+              <a:rPr lang="ko-KR" altLang="en-US"/>
               <a:t>다섯째 수준</a:t>
             </a:r>
-            <a:endParaRPr lang="ko-KR" altLang="en-US"/>
           </a:p>
         </p:txBody>
       </p:sp>
@@ -2718,7 +2697,7 @@
             <a:fld id="{CD6DEE77-0C1D-458A-9EBD-426B5B8D0F81}" type="datetimeFigureOut">
               <a:rPr lang="ko-KR" altLang="en-US" smtClean="0"/>
               <a:pPr/>
-              <a:t>2019-07-19</a:t>
+              <a:t>2019-07-26</a:t>
             </a:fld>
             <a:endParaRPr lang="ko-KR" altLang="en-US"/>
           </a:p>
@@ -3172,17 +3151,16 @@
           <a:p>
             <a:pPr marL="342900" indent="-342900" algn="ctr"/>
             <a:r>
-              <a:rPr lang="en-US" altLang="ko-KR" sz="5000" dirty="0" smtClean="0"/>
+              <a:rPr lang="en-US" altLang="ko-KR" sz="5000" dirty="0"/>
               <a:t>IDE</a:t>
             </a:r>
           </a:p>
           <a:p>
             <a:pPr marL="342900" indent="-342900" algn="ctr"/>
             <a:r>
-              <a:rPr lang="en-US" altLang="ko-KR" sz="5000" dirty="0" smtClean="0"/>
+              <a:rPr lang="en-US" altLang="ko-KR" sz="5000" dirty="0"/>
               <a:t>( Integration Development Environment )</a:t>
             </a:r>
-            <a:endParaRPr lang="en-US" altLang="ko-KR" sz="5000" dirty="0" smtClean="0"/>
           </a:p>
         </p:txBody>
       </p:sp>
@@ -3191,13 +3169,6 @@
   <p:clrMapOvr>
     <a:masterClrMapping/>
   </p:clrMapOvr>
-  <p:timing>
-    <p:tnLst>
-      <p:par>
-        <p:cTn id="1" dur="indefinite" restart="never" nodeType="tmRoot"/>
-      </p:par>
-    </p:tnLst>
-  </p:timing>
 </p:sld>
 </file>
 
@@ -3220,18 +3191,55 @@
       </p:grpSpPr>
       <p:sp>
         <p:nvSpPr>
-          <p:cNvPr id="2" name="직사각형 1"/>
+          <p:cNvPr id="20" name="직사각형 19">
+            <a:extLst>
+              <a:ext uri="{FF2B5EF4-FFF2-40B4-BE49-F238E27FC236}">
+                <a16:creationId xmlns:a16="http://schemas.microsoft.com/office/drawing/2014/main" id="{F6743208-20B3-45E9-A22E-7FFF460E43A1}"/>
+              </a:ext>
+            </a:extLst>
+          </p:cNvPr>
           <p:cNvSpPr/>
           <p:nvPr/>
         </p:nvSpPr>
         <p:spPr>
           <a:xfrm>
-            <a:off x="5292080" y="692696"/>
-            <a:ext cx="2088232" cy="2052228"/>
+            <a:off x="5670122" y="1231885"/>
+            <a:ext cx="1536767" cy="1116995"/>
           </a:xfrm>
           <a:prstGeom prst="rect">
             <a:avLst/>
           </a:prstGeom>
+          <a:gradFill>
+            <a:gsLst>
+              <a:gs pos="98000">
+                <a:srgbClr val="DF8B3F"/>
+              </a:gs>
+              <a:gs pos="25000">
+                <a:schemeClr val="bg1">
+                  <a:lumMod val="50000"/>
+                </a:schemeClr>
+              </a:gs>
+              <a:gs pos="80000">
+                <a:schemeClr val="accent6">
+                  <a:shade val="93000"/>
+                  <a:satMod val="130000"/>
+                </a:schemeClr>
+              </a:gs>
+              <a:gs pos="100000">
+                <a:schemeClr val="accent6">
+                  <a:shade val="94000"/>
+                  <a:satMod val="135000"/>
+                </a:schemeClr>
+              </a:gs>
+            </a:gsLst>
+          </a:gradFill>
+          <a:ln>
+            <a:solidFill>
+              <a:schemeClr val="bg1">
+                <a:lumMod val="65000"/>
+              </a:schemeClr>
+            </a:solidFill>
+          </a:ln>
         </p:spPr>
         <p:style>
           <a:lnRef idx="1">
@@ -3293,57 +3301,57 @@
           <a:p>
             <a:pPr algn="ctr"/>
             <a:r>
-              <a:rPr lang="en-US" altLang="ko-KR" dirty="0" smtClean="0"/>
+              <a:rPr lang="en-US" altLang="ko-KR" dirty="0"/>
               <a:t>Node </a:t>
             </a:r>
             <a:r>
-              <a:rPr lang="en-US" altLang="ko-KR" dirty="0" err="1" smtClean="0"/>
+              <a:rPr lang="en-US" altLang="ko-KR" dirty="0" err="1"/>
               <a:t>js</a:t>
             </a:r>
-            <a:endParaRPr lang="en-US" altLang="ko-KR" dirty="0" smtClean="0"/>
+            <a:endParaRPr lang="en-US" altLang="ko-KR" dirty="0"/>
           </a:p>
           <a:p>
             <a:pPr algn="ctr"/>
             <a:r>
-              <a:rPr lang="en-US" altLang="ko-KR" dirty="0" smtClean="0"/>
+              <a:rPr lang="en-US" altLang="ko-KR" dirty="0"/>
               <a:t>( Web Server )</a:t>
             </a:r>
           </a:p>
           <a:p>
             <a:pPr algn="ctr"/>
-            <a:endParaRPr lang="en-US" altLang="ko-KR" dirty="0" smtClean="0"/>
+            <a:endParaRPr lang="en-US" altLang="ko-KR" dirty="0"/>
           </a:p>
           <a:p>
             <a:pPr algn="ctr"/>
-            <a:endParaRPr lang="en-US" altLang="ko-KR" dirty="0" smtClean="0"/>
+            <a:endParaRPr lang="en-US" altLang="ko-KR" dirty="0"/>
           </a:p>
           <a:p>
             <a:pPr algn="ctr"/>
-            <a:endParaRPr lang="en-US" altLang="ko-KR" dirty="0" smtClean="0"/>
+            <a:endParaRPr lang="en-US" altLang="ko-KR" dirty="0"/>
           </a:p>
           <a:p>
             <a:pPr algn="ctr"/>
-            <a:endParaRPr lang="en-US" altLang="ko-KR" dirty="0" smtClean="0"/>
+            <a:endParaRPr lang="en-US" altLang="ko-KR" dirty="0"/>
           </a:p>
           <a:p>
             <a:pPr algn="ctr"/>
-            <a:endParaRPr lang="en-US" altLang="ko-KR" dirty="0" smtClean="0"/>
+            <a:endParaRPr lang="en-US" altLang="ko-KR" dirty="0"/>
           </a:p>
           <a:p>
             <a:pPr algn="ctr"/>
-            <a:endParaRPr lang="en-US" altLang="ko-KR" dirty="0" smtClean="0"/>
+            <a:endParaRPr lang="en-US" altLang="ko-KR" dirty="0"/>
           </a:p>
           <a:p>
             <a:pPr algn="ctr"/>
-            <a:endParaRPr lang="en-US" altLang="ko-KR" dirty="0" smtClean="0"/>
+            <a:endParaRPr lang="en-US" altLang="ko-KR" dirty="0"/>
           </a:p>
           <a:p>
             <a:pPr algn="ctr"/>
-            <a:endParaRPr lang="en-US" altLang="ko-KR" dirty="0" smtClean="0"/>
+            <a:endParaRPr lang="en-US" altLang="ko-KR" dirty="0"/>
           </a:p>
           <a:p>
             <a:pPr algn="ctr"/>
-            <a:endParaRPr lang="en-US" altLang="ko-KR" dirty="0" smtClean="0"/>
+            <a:endParaRPr lang="en-US" altLang="ko-KR" dirty="0"/>
           </a:p>
           <a:p>
             <a:pPr algn="ctr"/>
@@ -3388,14 +3396,14 @@
           <a:p>
             <a:pPr algn="ctr"/>
             <a:r>
-              <a:rPr lang="en-US" altLang="ko-KR" dirty="0" smtClean="0"/>
+              <a:rPr lang="en-US" altLang="ko-KR" dirty="0"/>
               <a:t>Web pack</a:t>
             </a:r>
           </a:p>
           <a:p>
             <a:pPr algn="ctr"/>
             <a:r>
-              <a:rPr lang="en-US" altLang="ko-KR" dirty="0" smtClean="0"/>
+              <a:rPr lang="en-US" altLang="ko-KR" dirty="0"/>
               <a:t>(compress &amp; compile)</a:t>
             </a:r>
             <a:endParaRPr lang="ko-KR" altLang="en-US" dirty="0"/>
@@ -3439,7 +3447,7 @@
           <a:p>
             <a:pPr algn="ctr"/>
             <a:r>
-              <a:rPr lang="en-US" altLang="ko-KR" dirty="0" smtClean="0"/>
+              <a:rPr lang="en-US" altLang="ko-KR" dirty="0"/>
               <a:t>Visual Studio</a:t>
             </a:r>
             <a:endParaRPr lang="ko-KR" altLang="en-US" dirty="0"/>
@@ -3483,7 +3491,7 @@
           <a:p>
             <a:pPr algn="ctr"/>
             <a:r>
-              <a:rPr lang="en-US" altLang="ko-KR" dirty="0" smtClean="0"/>
+              <a:rPr lang="en-US" altLang="ko-KR" dirty="0"/>
               <a:t>developer</a:t>
             </a:r>
             <a:endParaRPr lang="ko-KR" altLang="en-US" dirty="0"/>
@@ -3563,7 +3571,7 @@
           <a:p>
             <a:pPr algn="ctr"/>
             <a:r>
-              <a:rPr lang="en-US" altLang="ko-KR" dirty="0" smtClean="0"/>
+              <a:rPr lang="en-US" altLang="ko-KR" dirty="0"/>
               <a:t>result</a:t>
             </a:r>
             <a:endParaRPr lang="ko-KR" altLang="en-US" dirty="0"/>
@@ -3701,7 +3709,7 @@
           <a:lstStyle/>
           <a:p>
             <a:r>
-              <a:rPr lang="en-US" altLang="ko-KR" dirty="0" smtClean="0"/>
+              <a:rPr lang="en-US" altLang="ko-KR" dirty="0"/>
               <a:t>IDE</a:t>
             </a:r>
             <a:endParaRPr lang="ko-KR" altLang="en-US" dirty="0"/>
@@ -3731,7 +3739,7 @@
           <a:lstStyle/>
           <a:p>
             <a:r>
-              <a:rPr lang="en-US" altLang="ko-KR" dirty="0" smtClean="0"/>
+              <a:rPr lang="en-US" altLang="ko-KR" dirty="0"/>
               <a:t>SOURCE</a:t>
             </a:r>
             <a:endParaRPr lang="ko-KR" altLang="en-US" dirty="0"/>
@@ -3775,7 +3783,7 @@
           <a:p>
             <a:pPr algn="ctr"/>
             <a:r>
-              <a:rPr lang="en-US" altLang="ko-KR" dirty="0" smtClean="0"/>
+              <a:rPr lang="en-US" altLang="ko-KR" dirty="0"/>
               <a:t>VUE</a:t>
             </a:r>
             <a:endParaRPr lang="ko-KR" altLang="en-US" dirty="0"/>
@@ -3819,7 +3827,7 @@
           <a:p>
             <a:pPr algn="ctr"/>
             <a:r>
-              <a:rPr lang="en-US" altLang="ko-KR" dirty="0" smtClean="0"/>
+              <a:rPr lang="en-US" altLang="ko-KR" dirty="0"/>
               <a:t>React</a:t>
             </a:r>
             <a:endParaRPr lang="ko-KR" altLang="en-US" dirty="0"/>
@@ -3863,7 +3871,7 @@
           <a:p>
             <a:pPr algn="ctr"/>
             <a:r>
-              <a:rPr lang="en-US" altLang="ko-KR" dirty="0" err="1" smtClean="0"/>
+              <a:rPr lang="en-US" altLang="ko-KR" dirty="0" err="1"/>
               <a:t>Anguler</a:t>
             </a:r>
             <a:endParaRPr lang="ko-KR" altLang="en-US" dirty="0"/>
@@ -3892,12 +3900,8 @@
           <a:lstStyle/>
           <a:p>
             <a:r>
-              <a:rPr lang="en-US" altLang="ko-KR" sz="1500" dirty="0" smtClean="0"/>
-              <a:t>Front </a:t>
-            </a:r>
-            <a:r>
-              <a:rPr lang="en-US" altLang="ko-KR" sz="1500" dirty="0" smtClean="0"/>
-              <a:t>End Framework Architecture</a:t>
+              <a:rPr lang="en-US" altLang="ko-KR" sz="1500" dirty="0"/>
+              <a:t>Front End Framework Architecture</a:t>
             </a:r>
             <a:endParaRPr lang="ko-KR" altLang="en-US" sz="1500" dirty="0"/>
           </a:p>
@@ -3925,32 +3929,32 @@
           <a:lstStyle/>
           <a:p>
             <a:r>
-              <a:rPr lang="en-US" altLang="ko-KR" dirty="0" smtClean="0"/>
+              <a:rPr lang="en-US" altLang="ko-KR" dirty="0"/>
               <a:t>Front End F/W </a:t>
             </a:r>
             <a:r>
-              <a:rPr lang="ko-KR" altLang="en-US" dirty="0" smtClean="0"/>
+              <a:rPr lang="ko-KR" altLang="en-US" dirty="0"/>
               <a:t>다운로드 수 통계 자료</a:t>
             </a:r>
-            <a:endParaRPr lang="en-US" altLang="ko-KR" dirty="0" smtClean="0"/>
-          </a:p>
-          <a:p>
-            <a:r>
-              <a:rPr lang="en-US" altLang="ko-KR" dirty="0" smtClean="0">
+            <a:endParaRPr lang="en-US" altLang="ko-KR" dirty="0"/>
+          </a:p>
+          <a:p>
+            <a:r>
+              <a:rPr lang="en-US" altLang="ko-KR" dirty="0">
                 <a:hlinkClick r:id="rId2"/>
               </a:rPr>
               <a:t>https://2017.stateofjs.com/2017/front-end/results/</a:t>
             </a:r>
-            <a:endParaRPr lang="en-US" altLang="ko-KR" dirty="0" smtClean="0"/>
-          </a:p>
-          <a:p>
-            <a:r>
-              <a:rPr lang="en-US" altLang="ko-KR" dirty="0" smtClean="0">
+            <a:endParaRPr lang="en-US" altLang="ko-KR" dirty="0"/>
+          </a:p>
+          <a:p>
+            <a:r>
+              <a:rPr lang="en-US" altLang="ko-KR" dirty="0">
                 <a:hlinkClick r:id="rId3"/>
               </a:rPr>
               <a:t>https://2018.stateofjs.com/data-layer/overview/</a:t>
             </a:r>
-            <a:endParaRPr lang="en-US" altLang="ko-KR" dirty="0" smtClean="0"/>
+            <a:endParaRPr lang="en-US" altLang="ko-KR" dirty="0"/>
           </a:p>
         </p:txBody>
       </p:sp>
@@ -3977,7 +3981,7 @@
           <a:lstStyle/>
           <a:p>
             <a:r>
-              <a:rPr lang="en-US" altLang="ko-KR" dirty="0" smtClean="0"/>
+              <a:rPr lang="en-US" altLang="ko-KR" dirty="0"/>
               <a:t>Support Tool</a:t>
             </a:r>
             <a:endParaRPr lang="ko-KR" altLang="en-US" dirty="0"/>
@@ -3989,13 +3993,6 @@
   <p:clrMapOvr>
     <a:masterClrMapping/>
   </p:clrMapOvr>
-  <p:timing>
-    <p:tnLst>
-      <p:par>
-        <p:cTn id="1" dur="indefinite" restart="never" nodeType="tmRoot"/>
-      </p:par>
-    </p:tnLst>
-  </p:timing>
 </p:sld>
 </file>
 
@@ -4038,16 +4035,12 @@
           <a:lstStyle/>
           <a:p>
             <a:r>
-              <a:rPr lang="en-US" altLang="ko-KR" sz="1500" dirty="0" err="1" smtClean="0"/>
+              <a:rPr lang="en-US" altLang="ko-KR" sz="1500" dirty="0" err="1"/>
               <a:t>Frent</a:t>
             </a:r>
             <a:r>
-              <a:rPr lang="en-US" altLang="ko-KR" sz="1500" dirty="0" smtClean="0"/>
-              <a:t> End Framework </a:t>
-            </a:r>
-            <a:r>
-              <a:rPr lang="en-US" altLang="ko-KR" sz="1500" dirty="0" smtClean="0"/>
-              <a:t>IDE ( Integration Developer Environment )</a:t>
+              <a:rPr lang="en-US" altLang="ko-KR" sz="1500" dirty="0"/>
+              <a:t> End Framework IDE ( Integration Developer Environment )</a:t>
             </a:r>
             <a:endParaRPr lang="ko-KR" altLang="en-US" sz="1500" dirty="0"/>
           </a:p>
@@ -4090,20 +4083,20 @@
           <a:p>
             <a:pPr algn="ctr"/>
             <a:r>
-              <a:rPr lang="en-US" altLang="ko-KR" dirty="0" smtClean="0"/>
+              <a:rPr lang="en-US" altLang="ko-KR" dirty="0"/>
               <a:t>OS</a:t>
             </a:r>
           </a:p>
           <a:p>
             <a:pPr algn="ctr"/>
             <a:r>
-              <a:rPr lang="en-US" altLang="ko-KR" dirty="0" smtClean="0"/>
+              <a:rPr lang="en-US" altLang="ko-KR" dirty="0"/>
               <a:t>Node.js Install</a:t>
             </a:r>
           </a:p>
           <a:p>
             <a:pPr algn="ctr"/>
-            <a:endParaRPr lang="en-US" altLang="ko-KR" dirty="0" smtClean="0"/>
+            <a:endParaRPr lang="en-US" altLang="ko-KR" dirty="0"/>
           </a:p>
           <a:p>
             <a:pPr algn="ctr"/>
@@ -4112,10 +4105,10 @@
               <a:t>/.</a:t>
             </a:r>
             <a:r>
-              <a:rPr lang="en-US" altLang="ko-KR" dirty="0" err="1" smtClean="0"/>
+              <a:rPr lang="en-US" altLang="ko-KR" dirty="0" err="1"/>
               <a:t>bablerc</a:t>
             </a:r>
-            <a:endParaRPr lang="en-US" altLang="ko-KR" dirty="0" smtClean="0"/>
+            <a:endParaRPr lang="en-US" altLang="ko-KR" dirty="0"/>
           </a:p>
           <a:p>
             <a:pPr algn="ctr"/>
@@ -4124,10 +4117,10 @@
               <a:t>/</a:t>
             </a:r>
             <a:r>
-              <a:rPr lang="en-US" altLang="ko-KR" dirty="0" err="1" smtClean="0"/>
+              <a:rPr lang="en-US" altLang="ko-KR" dirty="0" err="1"/>
               <a:t>package.json</a:t>
             </a:r>
-            <a:endParaRPr lang="en-US" altLang="ko-KR" dirty="0" smtClean="0"/>
+            <a:endParaRPr lang="en-US" altLang="ko-KR" dirty="0"/>
           </a:p>
           <a:p>
             <a:pPr algn="ctr"/>
@@ -4175,13 +4168,6 @@
   <p:clrMapOvr>
     <a:masterClrMapping/>
   </p:clrMapOvr>
-  <p:timing>
-    <p:tnLst>
-      <p:par>
-        <p:cTn id="1" dur="indefinite" restart="never" nodeType="tmRoot"/>
-      </p:par>
-    </p:tnLst>
-  </p:timing>
 </p:sld>
 </file>
 
@@ -4224,16 +4210,12 @@
           <a:lstStyle/>
           <a:p>
             <a:r>
-              <a:rPr lang="en-US" altLang="ko-KR" sz="1500" dirty="0" err="1" smtClean="0"/>
+              <a:rPr lang="en-US" altLang="ko-KR" sz="1500" dirty="0" err="1"/>
               <a:t>Frent</a:t>
             </a:r>
             <a:r>
-              <a:rPr lang="en-US" altLang="ko-KR" sz="1500" dirty="0" smtClean="0"/>
-              <a:t> End Framework </a:t>
-            </a:r>
-            <a:r>
-              <a:rPr lang="en-US" altLang="ko-KR" sz="1500" dirty="0" smtClean="0"/>
-              <a:t>IDE ( Integration Developer Environment )</a:t>
+              <a:rPr lang="en-US" altLang="ko-KR" sz="1500" dirty="0"/>
+              <a:t> End Framework IDE ( Integration Developer Environment )</a:t>
             </a:r>
             <a:endParaRPr lang="ko-KR" altLang="en-US" sz="1500" dirty="0"/>
           </a:p>
@@ -4276,14 +4258,14 @@
           <a:p>
             <a:pPr algn="ctr"/>
             <a:r>
-              <a:rPr lang="en-US" altLang="ko-KR" dirty="0" smtClean="0"/>
+              <a:rPr lang="en-US" altLang="ko-KR" dirty="0"/>
               <a:t>OS</a:t>
             </a:r>
           </a:p>
           <a:p>
             <a:pPr algn="ctr"/>
             <a:r>
-              <a:rPr lang="en-US" altLang="ko-KR" dirty="0" smtClean="0"/>
+              <a:rPr lang="en-US" altLang="ko-KR" dirty="0"/>
               <a:t>Node.js</a:t>
             </a:r>
           </a:p>
@@ -4294,10 +4276,10 @@
               <a:t>/.</a:t>
             </a:r>
             <a:r>
-              <a:rPr lang="en-US" altLang="ko-KR" dirty="0" err="1" smtClean="0"/>
+              <a:rPr lang="en-US" altLang="ko-KR" dirty="0" err="1"/>
               <a:t>bablerc</a:t>
             </a:r>
-            <a:endParaRPr lang="en-US" altLang="ko-KR" dirty="0" smtClean="0"/>
+            <a:endParaRPr lang="en-US" altLang="ko-KR" dirty="0"/>
           </a:p>
           <a:p>
             <a:pPr algn="ctr"/>
@@ -4306,14 +4288,14 @@
               <a:t>/</a:t>
             </a:r>
             <a:r>
-              <a:rPr lang="en-US" altLang="ko-KR" dirty="0" err="1" smtClean="0">
+              <a:rPr lang="en-US" altLang="ko-KR" dirty="0" err="1">
                 <a:solidFill>
                   <a:srgbClr val="FF0000"/>
                 </a:solidFill>
               </a:rPr>
               <a:t>package.json</a:t>
             </a:r>
-            <a:endParaRPr lang="en-US" altLang="ko-KR" dirty="0" smtClean="0">
+            <a:endParaRPr lang="en-US" altLang="ko-KR" dirty="0">
               <a:solidFill>
                 <a:srgbClr val="FF0000"/>
               </a:solidFill>
@@ -4326,7 +4308,7 @@
               <a:t>/</a:t>
             </a:r>
             <a:r>
-              <a:rPr lang="en-US" altLang="ko-KR" dirty="0" smtClean="0">
+              <a:rPr lang="en-US" altLang="ko-KR" dirty="0">
                 <a:solidFill>
                   <a:srgbClr val="FF0000"/>
                 </a:solidFill>
@@ -4404,14 +4386,14 @@
           <a:p>
             <a:pPr algn="ctr"/>
             <a:r>
-              <a:rPr lang="en-US" altLang="ko-KR" dirty="0" smtClean="0"/>
+              <a:rPr lang="en-US" altLang="ko-KR" dirty="0"/>
               <a:t>OS</a:t>
             </a:r>
           </a:p>
           <a:p>
             <a:pPr algn="ctr"/>
             <a:r>
-              <a:rPr lang="en-US" altLang="ko-KR" dirty="0" smtClean="0"/>
+              <a:rPr lang="en-US" altLang="ko-KR" dirty="0"/>
               <a:t>Node.js</a:t>
             </a:r>
           </a:p>
@@ -4427,13 +4409,6 @@
   <p:clrMapOvr>
     <a:masterClrMapping/>
   </p:clrMapOvr>
-  <p:timing>
-    <p:tnLst>
-      <p:par>
-        <p:cTn id="1" dur="indefinite" restart="never" nodeType="tmRoot"/>
-      </p:par>
-    </p:tnLst>
-  </p:timing>
 </p:sld>
 </file>
 
@@ -4476,46 +4451,31 @@
           <a:lstStyle/>
           <a:p>
             <a:r>
-              <a:rPr lang="fr-FR" altLang="ko-KR" dirty="0" smtClean="0">
-                <a:latin typeface="Menlo"/>
-              </a:rPr>
-              <a:t>npm install --save-dev webpack webpack-cli</a:t>
-            </a:r>
-          </a:p>
-          <a:p>
-            <a:r>
               <a:rPr lang="fr-FR" altLang="ko-KR" dirty="0">
                 <a:latin typeface="Menlo"/>
               </a:rPr>
-              <a:t>npm install </a:t>
-            </a:r>
-            <a:r>
-              <a:rPr lang="fr-FR" altLang="ko-KR" dirty="0" smtClean="0">
+              <a:t>npm install --save-dev webpack webpack-cli</a:t>
+            </a:r>
+          </a:p>
+          <a:p>
+            <a:r>
+              <a:rPr lang="fr-FR" altLang="ko-KR" dirty="0">
                 <a:latin typeface="Menlo"/>
               </a:rPr>
-              <a:t>–g webpack webpack-cli</a:t>
-            </a:r>
+              <a:t>npm install –g webpack webpack-cli</a:t>
+            </a:r>
+          </a:p>
+          <a:p>
             <a:endParaRPr lang="fr-FR" altLang="ko-KR" dirty="0">
               <a:latin typeface="Menlo"/>
             </a:endParaRPr>
           </a:p>
           <a:p>
-            <a:endParaRPr lang="fr-FR" altLang="ko-KR" dirty="0" smtClean="0">
-              <a:latin typeface="Menlo"/>
-            </a:endParaRPr>
-          </a:p>
-          <a:p>
             <a:r>
               <a:rPr lang="fr-FR" altLang="ko-KR" dirty="0">
                 <a:latin typeface="Menlo"/>
               </a:rPr>
-              <a:t>npm install --save-dev @babel/core @</a:t>
-            </a:r>
-            <a:r>
-              <a:rPr lang="fr-FR" altLang="ko-KR" dirty="0" smtClean="0">
-                <a:latin typeface="Menlo"/>
-              </a:rPr>
-              <a:t>babel/preset-env</a:t>
+              <a:t>npm install --save-dev @babel/core @babel/preset-env</a:t>
             </a:r>
           </a:p>
           <a:p>
@@ -4560,7 +4520,7 @@
               </a:rPr>
               <a:t> @babel/preset-react</a:t>
             </a:r>
-            <a:endParaRPr lang="fr-FR" altLang="ko-KR" dirty="0" smtClean="0">
+            <a:endParaRPr lang="fr-FR" altLang="ko-KR" dirty="0">
               <a:latin typeface="Menlo"/>
             </a:endParaRPr>
           </a:p>
@@ -4571,21 +4531,18 @@
               </a:rPr>
               <a:t>npm install -g babel-preset-react</a:t>
             </a:r>
-            <a:endParaRPr lang="fr-FR" altLang="ko-KR" dirty="0" smtClean="0">
+          </a:p>
+          <a:p>
+            <a:endParaRPr lang="fr-FR" altLang="ko-KR" dirty="0">
               <a:latin typeface="Menlo"/>
             </a:endParaRPr>
           </a:p>
           <a:p>
-            <a:endParaRPr lang="fr-FR" altLang="ko-KR" dirty="0" smtClean="0">
+            <a:endParaRPr lang="fr-FR" altLang="ko-KR" dirty="0">
               <a:latin typeface="Menlo"/>
             </a:endParaRPr>
           </a:p>
           <a:p>
-            <a:endParaRPr lang="fr-FR" altLang="ko-KR" dirty="0" smtClean="0">
-              <a:latin typeface="Menlo"/>
-            </a:endParaRPr>
-          </a:p>
-          <a:p>
             <a:r>
               <a:rPr lang="en-US" altLang="ko-KR" dirty="0" err="1"/>
               <a:t>npm</a:t>
@@ -4608,11 +4565,7 @@
             </a:r>
             <a:r>
               <a:rPr lang="en-US" altLang="ko-KR" dirty="0"/>
-              <a:t>-plugin </a:t>
-            </a:r>
-            <a:r>
-              <a:rPr lang="en-US" altLang="ko-KR" dirty="0" smtClean="0"/>
-              <a:t>html-loader</a:t>
+              <a:t>-plugin html-loader</a:t>
             </a:r>
           </a:p>
           <a:p>
@@ -4627,15 +4580,7 @@
             </a:r>
             <a:r>
               <a:rPr lang="en-US" altLang="ko-KR" dirty="0"/>
-              <a:t> install </a:t>
-            </a:r>
-            <a:r>
-              <a:rPr lang="en-US" altLang="ko-KR" dirty="0" smtClean="0"/>
-              <a:t>--g </a:t>
-            </a:r>
-            <a:r>
-              <a:rPr lang="en-US" altLang="ko-KR" dirty="0"/>
-              <a:t>html-</a:t>
+              <a:t> install --g html-</a:t>
             </a:r>
             <a:r>
               <a:rPr lang="en-US" altLang="ko-KR" dirty="0" err="1"/>
@@ -4655,22 +4600,16 @@
             </a:endParaRPr>
           </a:p>
           <a:p>
-            <a:endParaRPr lang="fr-FR" altLang="ko-KR" dirty="0" smtClean="0">
+            <a:endParaRPr lang="fr-FR" altLang="ko-KR" dirty="0">
               <a:latin typeface="Menlo"/>
             </a:endParaRPr>
           </a:p>
           <a:p>
             <a:r>
-              <a:rPr lang="fr-FR" altLang="ko-KR" dirty="0" smtClean="0">
-                <a:latin typeface="Menlo"/>
-              </a:rPr>
-              <a:t>npm </a:t>
-            </a:r>
-            <a:r>
               <a:rPr lang="fr-FR" altLang="ko-KR" dirty="0">
                 <a:latin typeface="Menlo"/>
               </a:rPr>
-              <a:t>install vue </a:t>
+              <a:t>npm install vue </a:t>
             </a:r>
             <a:r>
               <a:rPr lang="fr-FR" altLang="ko-KR" i="1" dirty="0">
@@ -4684,16 +4623,10 @@
               </a:rPr>
             </a:br>
             <a:r>
-              <a:rPr lang="fr-FR" altLang="ko-KR" dirty="0" smtClean="0">
-                <a:latin typeface="Menlo"/>
-              </a:rPr>
-              <a:t>npm </a:t>
-            </a:r>
-            <a:r>
               <a:rPr lang="fr-FR" altLang="ko-KR" dirty="0">
                 <a:latin typeface="Menlo"/>
               </a:rPr>
-              <a:t>install vue-loader vue-template-compiler -D</a:t>
+              <a:t>npm install vue-loader vue-template-compiler -D</a:t>
             </a:r>
             <a:endParaRPr lang="ko-KR" altLang="en-US" dirty="0"/>
           </a:p>
@@ -4709,13 +4642,6 @@
   <p:clrMapOvr>
     <a:masterClrMapping/>
   </p:clrMapOvr>
-  <p:timing>
-    <p:tnLst>
-      <p:par>
-        <p:cTn id="1" dur="indefinite" restart="never" nodeType="tmRoot"/>
-      </p:par>
-    </p:tnLst>
-  </p:timing>
 </p:sld>
 </file>
 
@@ -4779,7 +4705,7 @@
               </a:spcAft>
             </a:pPr>
             <a:r>
-              <a:rPr kumimoji="1" lang="en-US" altLang="ko-KR" sz="900" b="0" i="0" u="none" strike="noStrike" cap="none" normalizeH="0" baseline="0" dirty="0" smtClean="0">
+              <a:rPr kumimoji="1" lang="en-US" altLang="ko-KR" sz="900" b="0" i="0" u="none" strike="noStrike" cap="none" normalizeH="0" baseline="0" dirty="0">
                 <a:ln>
                   <a:noFill/>
                 </a:ln>
@@ -4804,7 +4730,7 @@
               </a:spcAft>
             </a:pPr>
             <a:r>
-              <a:rPr kumimoji="1" lang="en-US" altLang="ko-KR" sz="900" b="0" i="0" u="none" strike="noStrike" cap="none" normalizeH="0" baseline="0" dirty="0" smtClean="0">
+              <a:rPr kumimoji="1" lang="en-US" altLang="ko-KR" sz="900" b="0" i="0" u="none" strike="noStrike" cap="none" normalizeH="0" baseline="0" dirty="0">
                 <a:ln>
                   <a:noFill/>
                 </a:ln>
@@ -4819,7 +4745,7 @@
               <a:t>	&lt;</a:t>
             </a:r>
             <a:r>
-              <a:rPr kumimoji="1" lang="en-US" altLang="ko-KR" sz="900" b="0" i="0" u="none" strike="noStrike" cap="none" normalizeH="0" baseline="0" dirty="0" err="1" smtClean="0">
+              <a:rPr kumimoji="1" lang="en-US" altLang="ko-KR" sz="900" b="0" i="0" u="none" strike="noStrike" cap="none" normalizeH="0" baseline="0" dirty="0" err="1">
                 <a:ln>
                   <a:noFill/>
                 </a:ln>
@@ -4834,7 +4760,7 @@
               <a:t>ul</a:t>
             </a:r>
             <a:r>
-              <a:rPr kumimoji="1" lang="en-US" altLang="ko-KR" sz="900" b="0" i="0" u="none" strike="noStrike" cap="none" normalizeH="0" baseline="0" dirty="0" smtClean="0">
+              <a:rPr kumimoji="1" lang="en-US" altLang="ko-KR" sz="900" b="0" i="0" u="none" strike="noStrike" cap="none" normalizeH="0" baseline="0" dirty="0">
                 <a:ln>
                   <a:noFill/>
                 </a:ln>
@@ -4849,7 +4775,7 @@
               <a:t> :id="$</a:t>
             </a:r>
             <a:r>
-              <a:rPr kumimoji="1" lang="en-US" altLang="ko-KR" sz="900" b="0" i="0" u="none" strike="noStrike" cap="none" normalizeH="0" baseline="0" dirty="0" err="1" smtClean="0">
+              <a:rPr kumimoji="1" lang="en-US" altLang="ko-KR" sz="900" b="0" i="0" u="none" strike="noStrike" cap="none" normalizeH="0" baseline="0" dirty="0" err="1">
                 <a:ln>
                   <a:noFill/>
                 </a:ln>
@@ -4864,7 +4790,7 @@
               <a:t>style.userList</a:t>
             </a:r>
             <a:r>
-              <a:rPr kumimoji="1" lang="en-US" altLang="ko-KR" sz="900" b="0" i="0" u="none" strike="noStrike" cap="none" normalizeH="0" baseline="0" dirty="0" smtClean="0">
+              <a:rPr kumimoji="1" lang="en-US" altLang="ko-KR" sz="900" b="0" i="0" u="none" strike="noStrike" cap="none" normalizeH="0" baseline="0" dirty="0">
                 <a:ln>
                   <a:noFill/>
                 </a:ln>
@@ -4889,7 +4815,7 @@
               </a:spcAft>
             </a:pPr>
             <a:r>
-              <a:rPr kumimoji="1" lang="en-US" altLang="ko-KR" sz="900" b="0" i="0" u="none" strike="noStrike" cap="none" normalizeH="0" baseline="0" dirty="0" smtClean="0">
+              <a:rPr kumimoji="1" lang="en-US" altLang="ko-KR" sz="900" b="0" i="0" u="none" strike="noStrike" cap="none" normalizeH="0" baseline="0" dirty="0">
                 <a:ln>
                   <a:noFill/>
                 </a:ln>
@@ -4904,7 +4830,7 @@
               <a:t>		&lt;</a:t>
             </a:r>
             <a:r>
-              <a:rPr kumimoji="1" lang="en-US" altLang="ko-KR" sz="900" b="0" i="0" u="none" strike="noStrike" cap="none" normalizeH="0" baseline="0" dirty="0" err="1" smtClean="0">
+              <a:rPr kumimoji="1" lang="en-US" altLang="ko-KR" sz="900" b="0" i="0" u="none" strike="noStrike" cap="none" normalizeH="0" baseline="0" dirty="0" err="1">
                 <a:ln>
                   <a:noFill/>
                 </a:ln>
@@ -4919,7 +4845,7 @@
               <a:t>li</a:t>
             </a:r>
             <a:r>
-              <a:rPr kumimoji="1" lang="en-US" altLang="ko-KR" sz="900" b="0" i="0" u="none" strike="noStrike" cap="none" normalizeH="0" baseline="0" dirty="0" smtClean="0">
+              <a:rPr kumimoji="1" lang="en-US" altLang="ko-KR" sz="900" b="0" i="0" u="none" strike="noStrike" cap="none" normalizeH="0" baseline="0" dirty="0">
                 <a:ln>
                   <a:noFill/>
                 </a:ln>
@@ -4952,21 +4878,10 @@
                 <a:ea typeface="SFMono-Regular"/>
                 <a:cs typeface="굴림" pitchFamily="50" charset="-127"/>
               </a:rPr>
-              <a:t>	</a:t>
-            </a:r>
-            <a:r>
-              <a:rPr kumimoji="1" lang="en-US" altLang="ko-KR" sz="900" dirty="0" smtClean="0">
-                <a:solidFill>
-                  <a:srgbClr val="586E75"/>
-                </a:solidFill>
-                <a:latin typeface="Arial Unicode MS" pitchFamily="50" charset="-127"/>
-                <a:ea typeface="SFMono-Regular"/>
-                <a:cs typeface="굴림" pitchFamily="50" charset="-127"/>
-              </a:rPr>
-              <a:t>	</a:t>
-            </a:r>
-            <a:r>
-              <a:rPr kumimoji="1" lang="en-US" altLang="ko-KR" sz="900" b="0" i="0" u="none" strike="noStrike" cap="none" normalizeH="0" baseline="0" dirty="0" smtClean="0">
+              <a:t>		</a:t>
+            </a:r>
+            <a:r>
+              <a:rPr kumimoji="1" lang="en-US" altLang="ko-KR" sz="900" b="0" i="0" u="none" strike="noStrike" cap="none" normalizeH="0" baseline="0" dirty="0">
                 <a:ln>
                   <a:noFill/>
                 </a:ln>
@@ -4999,21 +4914,10 @@
                 <a:ea typeface="SFMono-Regular"/>
                 <a:cs typeface="굴림" pitchFamily="50" charset="-127"/>
               </a:rPr>
-              <a:t>	</a:t>
-            </a:r>
-            <a:r>
-              <a:rPr kumimoji="1" lang="en-US" altLang="ko-KR" sz="900" dirty="0" smtClean="0">
-                <a:solidFill>
-                  <a:srgbClr val="586E75"/>
-                </a:solidFill>
-                <a:latin typeface="Arial Unicode MS" pitchFamily="50" charset="-127"/>
-                <a:ea typeface="SFMono-Regular"/>
-                <a:cs typeface="굴림" pitchFamily="50" charset="-127"/>
-              </a:rPr>
-              <a:t>	</a:t>
-            </a:r>
-            <a:r>
-              <a:rPr kumimoji="1" lang="en-US" altLang="ko-KR" sz="900" b="0" i="0" u="none" strike="noStrike" cap="none" normalizeH="0" baseline="0" dirty="0" smtClean="0">
+              <a:t>		</a:t>
+            </a:r>
+            <a:r>
+              <a:rPr kumimoji="1" lang="en-US" altLang="ko-KR" sz="900" b="0" i="0" u="none" strike="noStrike" cap="none" normalizeH="0" baseline="0" dirty="0">
                 <a:ln>
                   <a:noFill/>
                 </a:ln>
@@ -5046,21 +4950,25 @@
                 <a:ea typeface="SFMono-Regular"/>
                 <a:cs typeface="굴림" pitchFamily="50" charset="-127"/>
               </a:rPr>
-              <a:t>	</a:t>
-            </a:r>
-            <a:r>
-              <a:rPr kumimoji="1" lang="en-US" altLang="ko-KR" sz="900" dirty="0" smtClean="0">
+              <a:t>		</a:t>
+            </a:r>
+            <a:r>
+              <a:rPr kumimoji="1" lang="en-US" altLang="ko-KR" sz="900" b="0" i="0" u="none" strike="noStrike" cap="none" normalizeH="0" baseline="0" dirty="0">
+                <a:ln>
+                  <a:noFill/>
+                </a:ln>
                 <a:solidFill>
                   <a:srgbClr val="586E75"/>
                 </a:solidFill>
-                <a:latin typeface="Arial Unicode MS" pitchFamily="50" charset="-127"/>
-                <a:ea typeface="SFMono-Regular"/>
-                <a:cs typeface="굴림" pitchFamily="50" charset="-127"/>
-              </a:rPr>
-              <a:t>	</a:t>
-            </a:r>
-            <a:r>
-              <a:rPr kumimoji="1" lang="en-US" altLang="ko-KR" sz="900" b="0" i="0" u="none" strike="noStrike" cap="none" normalizeH="0" baseline="0" dirty="0" smtClean="0">
+                <a:effectLst/>
+                <a:latin typeface="Arial Unicode MS" pitchFamily="50" charset="-127"/>
+                <a:ea typeface="SFMono-Regular"/>
+                <a:cs typeface="굴림" pitchFamily="50" charset="-127"/>
+              </a:rPr>
+              <a:t>:class="{ [$</a:t>
+            </a:r>
+            <a:r>
+              <a:rPr kumimoji="1" lang="en-US" altLang="ko-KR" sz="900" b="0" i="0" u="none" strike="noStrike" cap="none" normalizeH="0" baseline="0" dirty="0" err="1">
                 <a:ln>
                   <a:noFill/>
                 </a:ln>
@@ -5072,10 +4980,10 @@
                 <a:ea typeface="SFMono-Regular"/>
                 <a:cs typeface="굴림" pitchFamily="50" charset="-127"/>
               </a:rPr>
-              <a:t>:class="{ [$</a:t>
-            </a:r>
-            <a:r>
-              <a:rPr kumimoji="1" lang="en-US" altLang="ko-KR" sz="900" b="0" i="0" u="none" strike="noStrike" cap="none" normalizeH="0" baseline="0" dirty="0" err="1" smtClean="0">
+              <a:t>style.userItem</a:t>
+            </a:r>
+            <a:r>
+              <a:rPr kumimoji="1" lang="en-US" altLang="ko-KR" sz="900" b="0" i="0" u="none" strike="noStrike" cap="none" normalizeH="0" baseline="0" dirty="0">
                 <a:ln>
                   <a:noFill/>
                 </a:ln>
@@ -5087,10 +4995,10 @@
                 <a:ea typeface="SFMono-Regular"/>
                 <a:cs typeface="굴림" pitchFamily="50" charset="-127"/>
               </a:rPr>
-              <a:t>style.userItem</a:t>
-            </a:r>
-            <a:r>
-              <a:rPr kumimoji="1" lang="en-US" altLang="ko-KR" sz="900" b="0" i="0" u="none" strike="noStrike" cap="none" normalizeH="0" baseline="0" dirty="0" smtClean="0">
+              <a:t>]: true, [$</a:t>
+            </a:r>
+            <a:r>
+              <a:rPr kumimoji="1" lang="en-US" altLang="ko-KR" sz="900" b="0" i="0" u="none" strike="noStrike" cap="none" normalizeH="0" baseline="0" dirty="0" err="1">
                 <a:ln>
                   <a:noFill/>
                 </a:ln>
@@ -5102,10 +5010,10 @@
                 <a:ea typeface="SFMono-Regular"/>
                 <a:cs typeface="굴림" pitchFamily="50" charset="-127"/>
               </a:rPr>
-              <a:t>]: true, [$</a:t>
-            </a:r>
-            <a:r>
-              <a:rPr kumimoji="1" lang="en-US" altLang="ko-KR" sz="900" b="0" i="0" u="none" strike="noStrike" cap="none" normalizeH="0" baseline="0" dirty="0" err="1" smtClean="0">
+              <a:t>style.selected</a:t>
+            </a:r>
+            <a:r>
+              <a:rPr kumimoji="1" lang="en-US" altLang="ko-KR" sz="900" b="0" i="0" u="none" strike="noStrike" cap="none" normalizeH="0" baseline="0" dirty="0">
                 <a:ln>
                   <a:noFill/>
                 </a:ln>
@@ -5117,10 +5025,10 @@
                 <a:ea typeface="SFMono-Regular"/>
                 <a:cs typeface="굴림" pitchFamily="50" charset="-127"/>
               </a:rPr>
-              <a:t>style.selected</a:t>
-            </a:r>
-            <a:r>
-              <a:rPr kumimoji="1" lang="en-US" altLang="ko-KR" sz="900" b="0" i="0" u="none" strike="noStrike" cap="none" normalizeH="0" baseline="0" dirty="0" smtClean="0">
+              <a:t>]: user.id===</a:t>
+            </a:r>
+            <a:r>
+              <a:rPr kumimoji="1" lang="en-US" altLang="ko-KR" sz="900" b="0" i="0" u="none" strike="noStrike" cap="none" normalizeH="0" baseline="0" dirty="0" err="1">
                 <a:ln>
                   <a:noFill/>
                 </a:ln>
@@ -5132,10 +5040,10 @@
                 <a:ea typeface="SFMono-Regular"/>
                 <a:cs typeface="굴림" pitchFamily="50" charset="-127"/>
               </a:rPr>
-              <a:t>]: user.id===</a:t>
-            </a:r>
-            <a:r>
-              <a:rPr kumimoji="1" lang="en-US" altLang="ko-KR" sz="900" b="0" i="0" u="none" strike="noStrike" cap="none" normalizeH="0" baseline="0" dirty="0" err="1" smtClean="0">
+              <a:t>selectedUserId</a:t>
+            </a:r>
+            <a:r>
+              <a:rPr kumimoji="1" lang="en-US" altLang="ko-KR" sz="900" b="0" i="0" u="none" strike="noStrike" cap="none" normalizeH="0" baseline="0" dirty="0">
                 <a:ln>
                   <a:noFill/>
                 </a:ln>
@@ -5147,10 +5055,10 @@
                 <a:ea typeface="SFMono-Regular"/>
                 <a:cs typeface="굴림" pitchFamily="50" charset="-127"/>
               </a:rPr>
-              <a:t>selectedUserId</a:t>
-            </a:r>
-            <a:r>
-              <a:rPr kumimoji="1" lang="en-US" altLang="ko-KR" sz="900" b="0" i="0" u="none" strike="noStrike" cap="none" normalizeH="0" baseline="0" dirty="0" smtClean="0">
+              <a:t> }"&gt; {{ user.name }} &lt;/</a:t>
+            </a:r>
+            <a:r>
+              <a:rPr kumimoji="1" lang="en-US" altLang="ko-KR" sz="900" b="0" i="0" u="none" strike="noStrike" cap="none" normalizeH="0" baseline="0" dirty="0" err="1">
                 <a:ln>
                   <a:noFill/>
                 </a:ln>
@@ -5162,25 +5070,10 @@
                 <a:ea typeface="SFMono-Regular"/>
                 <a:cs typeface="굴림" pitchFamily="50" charset="-127"/>
               </a:rPr>
-              <a:t> }"&gt; {{ user.name }} &lt;/</a:t>
-            </a:r>
-            <a:r>
-              <a:rPr kumimoji="1" lang="en-US" altLang="ko-KR" sz="900" b="0" i="0" u="none" strike="noStrike" cap="none" normalizeH="0" baseline="0" dirty="0" err="1" smtClean="0">
-                <a:ln>
-                  <a:noFill/>
-                </a:ln>
-                <a:solidFill>
-                  <a:srgbClr val="586E75"/>
-                </a:solidFill>
-                <a:effectLst/>
-                <a:latin typeface="Arial Unicode MS" pitchFamily="50" charset="-127"/>
-                <a:ea typeface="SFMono-Regular"/>
-                <a:cs typeface="굴림" pitchFamily="50" charset="-127"/>
-              </a:rPr>
               <a:t>li</a:t>
             </a:r>
             <a:r>
-              <a:rPr kumimoji="1" lang="en-US" altLang="ko-KR" sz="900" b="0" i="0" u="none" strike="noStrike" cap="none" normalizeH="0" baseline="0" dirty="0" smtClean="0">
+              <a:rPr kumimoji="1" lang="en-US" altLang="ko-KR" sz="900" b="0" i="0" u="none" strike="noStrike" cap="none" normalizeH="0" baseline="0" dirty="0">
                 <a:ln>
                   <a:noFill/>
                 </a:ln>
@@ -5205,7 +5098,7 @@
               </a:spcAft>
             </a:pPr>
             <a:r>
-              <a:rPr kumimoji="1" lang="en-US" altLang="ko-KR" sz="900" b="0" i="0" u="none" strike="noStrike" cap="none" normalizeH="0" baseline="0" dirty="0" smtClean="0">
+              <a:rPr kumimoji="1" lang="en-US" altLang="ko-KR" sz="900" b="0" i="0" u="none" strike="noStrike" cap="none" normalizeH="0" baseline="0" dirty="0">
                 <a:ln>
                   <a:noFill/>
                 </a:ln>
@@ -5220,7 +5113,7 @@
               <a:t>	&lt;/</a:t>
             </a:r>
             <a:r>
-              <a:rPr kumimoji="1" lang="en-US" altLang="ko-KR" sz="900" b="0" i="0" u="none" strike="noStrike" cap="none" normalizeH="0" baseline="0" dirty="0" err="1" smtClean="0">
+              <a:rPr kumimoji="1" lang="en-US" altLang="ko-KR" sz="900" b="0" i="0" u="none" strike="noStrike" cap="none" normalizeH="0" baseline="0" dirty="0" err="1">
                 <a:ln>
                   <a:noFill/>
                 </a:ln>
@@ -5235,7 +5128,7 @@
               <a:t>ul</a:t>
             </a:r>
             <a:r>
-              <a:rPr kumimoji="1" lang="en-US" altLang="ko-KR" sz="900" b="0" i="0" u="none" strike="noStrike" cap="none" normalizeH="0" baseline="0" dirty="0" smtClean="0">
+              <a:rPr kumimoji="1" lang="en-US" altLang="ko-KR" sz="900" b="0" i="0" u="none" strike="noStrike" cap="none" normalizeH="0" baseline="0" dirty="0">
                 <a:ln>
                   <a:noFill/>
                 </a:ln>
@@ -5260,7 +5153,7 @@
               </a:spcAft>
             </a:pPr>
             <a:r>
-              <a:rPr kumimoji="1" lang="en-US" altLang="ko-KR" sz="900" b="0" i="0" u="none" strike="noStrike" cap="none" normalizeH="0" baseline="0" dirty="0" smtClean="0">
+              <a:rPr kumimoji="1" lang="en-US" altLang="ko-KR" sz="900" b="0" i="0" u="none" strike="noStrike" cap="none" normalizeH="0" baseline="0" dirty="0">
                 <a:ln>
                   <a:noFill/>
                 </a:ln>
@@ -5285,7 +5178,7 @@
               </a:spcAft>
             </a:pPr>
             <a:r>
-              <a:rPr kumimoji="1" lang="en-US" altLang="ko-KR" sz="900" b="0" i="0" u="none" strike="noStrike" cap="none" normalizeH="0" baseline="0" dirty="0" smtClean="0">
+              <a:rPr kumimoji="1" lang="en-US" altLang="ko-KR" sz="900" b="0" i="0" u="none" strike="noStrike" cap="none" normalizeH="0" baseline="0" dirty="0">
                 <a:ln>
                   <a:noFill/>
                 </a:ln>
@@ -5300,7 +5193,7 @@
               <a:t>&lt;script&gt; export default { data() { return { </a:t>
             </a:r>
             <a:r>
-              <a:rPr kumimoji="1" lang="en-US" altLang="ko-KR" sz="900" b="0" i="0" u="none" strike="noStrike" cap="none" normalizeH="0" baseline="0" dirty="0" err="1" smtClean="0">
+              <a:rPr kumimoji="1" lang="en-US" altLang="ko-KR" sz="900" b="0" i="0" u="none" strike="noStrike" cap="none" normalizeH="0" baseline="0" dirty="0" err="1">
                 <a:ln>
                   <a:noFill/>
                 </a:ln>
@@ -5315,7 +5208,7 @@
               <a:t>selectedUserId</a:t>
             </a:r>
             <a:r>
-              <a:rPr kumimoji="1" lang="en-US" altLang="ko-KR" sz="900" b="0" i="0" u="none" strike="noStrike" cap="none" normalizeH="0" baseline="0" dirty="0" smtClean="0">
+              <a:rPr kumimoji="1" lang="en-US" altLang="ko-KR" sz="900" b="0" i="0" u="none" strike="noStrike" cap="none" normalizeH="0" baseline="0" dirty="0">
                 <a:ln>
                   <a:noFill/>
                 </a:ln>
@@ -5340,7 +5233,7 @@
               </a:spcAft>
             </a:pPr>
             <a:r>
-              <a:rPr kumimoji="1" lang="en-US" altLang="ko-KR" sz="900" b="0" i="0" u="none" strike="noStrike" cap="none" normalizeH="0" baseline="0" dirty="0" smtClean="0">
+              <a:rPr kumimoji="1" lang="en-US" altLang="ko-KR" sz="900" b="0" i="0" u="none" strike="noStrike" cap="none" normalizeH="0" baseline="0" dirty="0">
                 <a:ln>
                   <a:noFill/>
                 </a:ln>
@@ -5365,7 +5258,7 @@
               </a:spcAft>
             </a:pPr>
             <a:r>
-              <a:rPr kumimoji="1" lang="en-US" altLang="ko-KR" sz="900" b="0" i="0" u="none" strike="noStrike" cap="none" normalizeH="0" baseline="0" dirty="0" smtClean="0">
+              <a:rPr kumimoji="1" lang="en-US" altLang="ko-KR" sz="900" b="0" i="0" u="none" strike="noStrike" cap="none" normalizeH="0" baseline="0" dirty="0">
                 <a:ln>
                   <a:noFill/>
                 </a:ln>
@@ -5390,7 +5283,7 @@
               </a:spcAft>
             </a:pPr>
             <a:r>
-              <a:rPr kumimoji="1" lang="en-US" altLang="ko-KR" sz="900" b="0" i="0" u="none" strike="noStrike" cap="none" normalizeH="0" baseline="0" dirty="0" smtClean="0">
+              <a:rPr kumimoji="1" lang="en-US" altLang="ko-KR" sz="900" b="0" i="0" u="none" strike="noStrike" cap="none" normalizeH="0" baseline="0" dirty="0">
                 <a:ln>
                   <a:noFill/>
                 </a:ln>
@@ -5414,7 +5307,7 @@
                 <a:spcPct val="0"/>
               </a:spcAft>
             </a:pPr>
-            <a:endParaRPr kumimoji="1" lang="en-US" altLang="ko-KR" sz="1800" b="0" i="0" u="none" strike="noStrike" cap="none" normalizeH="0" baseline="0" dirty="0" smtClean="0">
+            <a:endParaRPr kumimoji="1" lang="en-US" altLang="ko-KR" sz="1800" b="0" i="0" u="none" strike="noStrike" cap="none" normalizeH="0" baseline="0" dirty="0">
               <a:ln>
                 <a:noFill/>
               </a:ln>
@@ -5437,7 +5330,7 @@
               </a:spcAft>
             </a:pPr>
             <a:r>
-              <a:rPr kumimoji="1" lang="ko-KR" altLang="ko-KR" sz="1800" b="0" i="0" u="none" strike="noStrike" cap="none" normalizeH="0" baseline="0" dirty="0" smtClean="0">
+              <a:rPr kumimoji="1" lang="ko-KR" altLang="ko-KR" sz="1800" b="0" i="0" u="none" strike="noStrike" cap="none" normalizeH="0" baseline="0" dirty="0">
                 <a:ln>
                   <a:noFill/>
                 </a:ln>
@@ -5452,7 +5345,7 @@
               <a:t>React</a:t>
             </a:r>
             <a:r>
-              <a:rPr kumimoji="1" lang="ko-KR" sz="1800" b="0" i="0" u="none" strike="noStrike" cap="none" normalizeH="0" baseline="0" dirty="0" smtClean="0">
+              <a:rPr kumimoji="1" lang="ko-KR" sz="1800" b="0" i="0" u="none" strike="noStrike" cap="none" normalizeH="0" baseline="0" dirty="0">
                 <a:ln>
                   <a:noFill/>
                 </a:ln>
@@ -5467,7 +5360,7 @@
               <a:t>를 사용한다면 이 컴포넌트를 대략 아래와 같이 작성할 것이다</a:t>
             </a:r>
             <a:r>
-              <a:rPr kumimoji="1" lang="ko-KR" altLang="ko-KR" sz="1800" b="0" i="0" u="none" strike="noStrike" cap="none" normalizeH="0" baseline="0" dirty="0" smtClean="0">
+              <a:rPr kumimoji="1" lang="ko-KR" altLang="ko-KR" sz="1800" b="0" i="0" u="none" strike="noStrike" cap="none" normalizeH="0" baseline="0" dirty="0">
                 <a:ln>
                   <a:noFill/>
                 </a:ln>
@@ -5481,7 +5374,7 @@
               </a:rPr>
               <a:t>.</a:t>
             </a:r>
-            <a:endParaRPr kumimoji="1" lang="en-US" altLang="ko-KR" sz="1800" b="0" i="0" u="none" strike="noStrike" cap="none" normalizeH="0" baseline="0" dirty="0" smtClean="0">
+            <a:endParaRPr kumimoji="1" lang="en-US" altLang="ko-KR" sz="1800" b="0" i="0" u="none" strike="noStrike" cap="none" normalizeH="0" baseline="0" dirty="0">
               <a:ln>
                 <a:noFill/>
               </a:ln>
@@ -5503,7 +5396,7 @@
                 <a:spcPct val="0"/>
               </a:spcAft>
             </a:pPr>
-            <a:endParaRPr kumimoji="1" lang="ko-KR" altLang="ko-KR" sz="1800" b="0" i="0" u="none" strike="noStrike" cap="none" normalizeH="0" baseline="0" dirty="0" smtClean="0">
+            <a:endParaRPr kumimoji="1" lang="ko-KR" altLang="ko-KR" sz="1800" b="0" i="0" u="none" strike="noStrike" cap="none" normalizeH="0" baseline="0" dirty="0">
               <a:ln>
                 <a:noFill/>
               </a:ln>
@@ -5526,7 +5419,7 @@
               </a:spcAft>
             </a:pPr>
             <a:r>
-              <a:rPr kumimoji="1" lang="en-US" altLang="ko-KR" sz="900" b="0" i="0" u="none" strike="noStrike" cap="none" normalizeH="0" baseline="0" dirty="0" smtClean="0">
+              <a:rPr kumimoji="1" lang="en-US" altLang="ko-KR" sz="900" b="0" i="0" u="none" strike="noStrike" cap="none" normalizeH="0" baseline="0" dirty="0">
                 <a:ln>
                   <a:noFill/>
                 </a:ln>
@@ -5541,7 +5434,7 @@
               <a:t>import React, { Component } from 'react' import </a:t>
             </a:r>
             <a:r>
-              <a:rPr kumimoji="1" lang="en-US" altLang="ko-KR" sz="900" b="0" i="0" u="none" strike="noStrike" cap="none" normalizeH="0" baseline="0" dirty="0" err="1" smtClean="0">
+              <a:rPr kumimoji="1" lang="en-US" altLang="ko-KR" sz="900" b="0" i="0" u="none" strike="noStrike" cap="none" normalizeH="0" baseline="0" dirty="0" err="1">
                 <a:ln>
                   <a:noFill/>
                 </a:ln>
@@ -5556,7 +5449,7 @@
               <a:t>classNames</a:t>
             </a:r>
             <a:r>
-              <a:rPr kumimoji="1" lang="en-US" altLang="ko-KR" sz="900" b="0" i="0" u="none" strike="noStrike" cap="none" normalizeH="0" baseline="0" dirty="0" smtClean="0">
+              <a:rPr kumimoji="1" lang="en-US" altLang="ko-KR" sz="900" b="0" i="0" u="none" strike="noStrike" cap="none" normalizeH="0" baseline="0" dirty="0">
                 <a:ln>
                   <a:noFill/>
                 </a:ln>
@@ -5571,7 +5464,7 @@
               <a:t> from '</a:t>
             </a:r>
             <a:r>
-              <a:rPr kumimoji="1" lang="en-US" altLang="ko-KR" sz="900" b="0" i="0" u="none" strike="noStrike" cap="none" normalizeH="0" baseline="0" dirty="0" err="1" smtClean="0">
+              <a:rPr kumimoji="1" lang="en-US" altLang="ko-KR" sz="900" b="0" i="0" u="none" strike="noStrike" cap="none" normalizeH="0" baseline="0" dirty="0" err="1">
                 <a:ln>
                   <a:noFill/>
                 </a:ln>
@@ -5586,7 +5479,7 @@
               <a:t>classnames</a:t>
             </a:r>
             <a:r>
-              <a:rPr kumimoji="1" lang="en-US" altLang="ko-KR" sz="900" b="0" i="0" u="none" strike="noStrike" cap="none" normalizeH="0" baseline="0" dirty="0" smtClean="0">
+              <a:rPr kumimoji="1" lang="en-US" altLang="ko-KR" sz="900" b="0" i="0" u="none" strike="noStrike" cap="none" normalizeH="0" baseline="0" dirty="0">
                 <a:ln>
                   <a:noFill/>
                 </a:ln>
@@ -5601,7 +5494,7 @@
               <a:t>' import * as styles from './UserList.css' const </a:t>
             </a:r>
             <a:r>
-              <a:rPr kumimoji="1" lang="en-US" altLang="ko-KR" sz="900" b="0" i="0" u="none" strike="noStrike" cap="none" normalizeH="0" baseline="0" dirty="0" err="1" smtClean="0">
+              <a:rPr kumimoji="1" lang="en-US" altLang="ko-KR" sz="900" b="0" i="0" u="none" strike="noStrike" cap="none" normalizeH="0" baseline="0" dirty="0" err="1">
                 <a:ln>
                   <a:noFill/>
                 </a:ln>
@@ -5616,7 +5509,7 @@
               <a:t>UserItem</a:t>
             </a:r>
             <a:r>
-              <a:rPr kumimoji="1" lang="en-US" altLang="ko-KR" sz="900" b="0" i="0" u="none" strike="noStrike" cap="none" normalizeH="0" baseline="0" dirty="0" smtClean="0">
+              <a:rPr kumimoji="1" lang="en-US" altLang="ko-KR" sz="900" b="0" i="0" u="none" strike="noStrike" cap="none" normalizeH="0" baseline="0" dirty="0">
                 <a:ln>
                   <a:noFill/>
                 </a:ln>
@@ -5641,7 +5534,7 @@
               </a:spcAft>
             </a:pPr>
             <a:r>
-              <a:rPr kumimoji="1" lang="en-US" altLang="ko-KR" sz="900" b="0" i="0" u="none" strike="noStrike" cap="none" normalizeH="0" baseline="0" dirty="0" smtClean="0">
+              <a:rPr kumimoji="1" lang="en-US" altLang="ko-KR" sz="900" b="0" i="0" u="none" strike="noStrike" cap="none" normalizeH="0" baseline="0" dirty="0">
                 <a:ln>
                   <a:noFill/>
                 </a:ln>
@@ -5656,7 +5549,7 @@
               <a:t>&lt;</a:t>
             </a:r>
             <a:r>
-              <a:rPr kumimoji="1" lang="en-US" altLang="ko-KR" sz="900" b="0" i="0" u="none" strike="noStrike" cap="none" normalizeH="0" baseline="0" dirty="0" err="1" smtClean="0">
+              <a:rPr kumimoji="1" lang="en-US" altLang="ko-KR" sz="900" b="0" i="0" u="none" strike="noStrike" cap="none" normalizeH="0" baseline="0" dirty="0" err="1">
                 <a:ln>
                   <a:noFill/>
                 </a:ln>
@@ -5671,7 +5564,7 @@
               <a:t>li</a:t>
             </a:r>
             <a:r>
-              <a:rPr kumimoji="1" lang="en-US" altLang="ko-KR" sz="900" b="0" i="0" u="none" strike="noStrike" cap="none" normalizeH="0" baseline="0" dirty="0" smtClean="0">
+              <a:rPr kumimoji="1" lang="en-US" altLang="ko-KR" sz="900" b="0" i="0" u="none" strike="noStrike" cap="none" normalizeH="0" baseline="0" dirty="0">
                 <a:ln>
                   <a:noFill/>
                 </a:ln>
@@ -5686,7 +5579,7 @@
               <a:t> </a:t>
             </a:r>
             <a:r>
-              <a:rPr kumimoji="1" lang="en-US" altLang="ko-KR" sz="900" b="0" i="0" u="none" strike="noStrike" cap="none" normalizeH="0" baseline="0" dirty="0" err="1" smtClean="0">
+              <a:rPr kumimoji="1" lang="en-US" altLang="ko-KR" sz="900" b="0" i="0" u="none" strike="noStrike" cap="none" normalizeH="0" baseline="0" dirty="0" err="1">
                 <a:ln>
                   <a:noFill/>
                 </a:ln>
@@ -5701,7 +5594,7 @@
               <a:t>classname</a:t>
             </a:r>
             <a:r>
-              <a:rPr kumimoji="1" lang="en-US" altLang="ko-KR" sz="900" b="0" i="0" u="none" strike="noStrike" cap="none" normalizeH="0" baseline="0" dirty="0" smtClean="0">
+              <a:rPr kumimoji="1" lang="en-US" altLang="ko-KR" sz="900" b="0" i="0" u="none" strike="noStrike" cap="none" normalizeH="0" baseline="0" dirty="0">
                 <a:ln>
                   <a:noFill/>
                 </a:ln>
@@ -5716,7 +5609,7 @@
               <a:t>={</a:t>
             </a:r>
             <a:r>
-              <a:rPr kumimoji="1" lang="en-US" altLang="ko-KR" sz="900" b="0" i="0" u="none" strike="noStrike" cap="none" normalizeH="0" baseline="0" dirty="0" err="1" smtClean="0">
+              <a:rPr kumimoji="1" lang="en-US" altLang="ko-KR" sz="900" b="0" i="0" u="none" strike="noStrike" cap="none" normalizeH="0" baseline="0" dirty="0" err="1">
                 <a:ln>
                   <a:noFill/>
                 </a:ln>
@@ -5731,7 +5624,7 @@
               <a:t>classNames</a:t>
             </a:r>
             <a:r>
-              <a:rPr kumimoji="1" lang="en-US" altLang="ko-KR" sz="900" b="0" i="0" u="none" strike="noStrike" cap="none" normalizeH="0" baseline="0" dirty="0" smtClean="0">
+              <a:rPr kumimoji="1" lang="en-US" altLang="ko-KR" sz="900" b="0" i="0" u="none" strike="noStrike" cap="none" normalizeH="0" baseline="0" dirty="0">
                 <a:ln>
                   <a:noFill/>
                 </a:ln>
@@ -5746,7 +5639,7 @@
               <a:t>(</a:t>
             </a:r>
             <a:r>
-              <a:rPr kumimoji="1" lang="en-US" altLang="ko-KR" sz="900" b="0" i="0" u="none" strike="noStrike" cap="none" normalizeH="0" baseline="0" dirty="0" err="1" smtClean="0">
+              <a:rPr kumimoji="1" lang="en-US" altLang="ko-KR" sz="900" b="0" i="0" u="none" strike="noStrike" cap="none" normalizeH="0" baseline="0" dirty="0" err="1">
                 <a:ln>
                   <a:noFill/>
                 </a:ln>
@@ -5761,7 +5654,7 @@
               <a:t>style.userItem</a:t>
             </a:r>
             <a:r>
-              <a:rPr kumimoji="1" lang="en-US" altLang="ko-KR" sz="900" b="0" i="0" u="none" strike="noStrike" cap="none" normalizeH="0" baseline="0" dirty="0" smtClean="0">
+              <a:rPr kumimoji="1" lang="en-US" altLang="ko-KR" sz="900" b="0" i="0" u="none" strike="noStrike" cap="none" normalizeH="0" baseline="0" dirty="0">
                 <a:ln>
                   <a:noFill/>
                 </a:ln>
@@ -5776,7 +5669,7 @@
               <a:t>, { [</a:t>
             </a:r>
             <a:r>
-              <a:rPr kumimoji="1" lang="en-US" altLang="ko-KR" sz="900" b="0" i="0" u="none" strike="noStrike" cap="none" normalizeH="0" baseline="0" dirty="0" err="1" smtClean="0">
+              <a:rPr kumimoji="1" lang="en-US" altLang="ko-KR" sz="900" b="0" i="0" u="none" strike="noStrike" cap="none" normalizeH="0" baseline="0" dirty="0" err="1">
                 <a:ln>
                   <a:noFill/>
                 </a:ln>
@@ -5791,7 +5684,7 @@
               <a:t>style.selected</a:t>
             </a:r>
             <a:r>
-              <a:rPr kumimoji="1" lang="en-US" altLang="ko-KR" sz="900" b="0" i="0" u="none" strike="noStrike" cap="none" normalizeH="0" baseline="0" dirty="0" smtClean="0">
+              <a:rPr kumimoji="1" lang="en-US" altLang="ko-KR" sz="900" b="0" i="0" u="none" strike="noStrike" cap="none" normalizeH="0" baseline="0" dirty="0">
                 <a:ln>
                   <a:noFill/>
                 </a:ln>
@@ -5806,7 +5699,7 @@
               <a:t>]: selected })}&gt; { user.name } &lt;/</a:t>
             </a:r>
             <a:r>
-              <a:rPr kumimoji="1" lang="en-US" altLang="ko-KR" sz="900" b="0" i="0" u="none" strike="noStrike" cap="none" normalizeH="0" baseline="0" dirty="0" err="1" smtClean="0">
+              <a:rPr kumimoji="1" lang="en-US" altLang="ko-KR" sz="900" b="0" i="0" u="none" strike="noStrike" cap="none" normalizeH="0" baseline="0" dirty="0" err="1">
                 <a:ln>
                   <a:noFill/>
                 </a:ln>
@@ -5821,7 +5714,7 @@
               <a:t>li</a:t>
             </a:r>
             <a:r>
-              <a:rPr kumimoji="1" lang="en-US" altLang="ko-KR" sz="900" b="0" i="0" u="none" strike="noStrike" cap="none" normalizeH="0" baseline="0" dirty="0" smtClean="0">
+              <a:rPr kumimoji="1" lang="en-US" altLang="ko-KR" sz="900" b="0" i="0" u="none" strike="noStrike" cap="none" normalizeH="0" baseline="0" dirty="0">
                 <a:ln>
                   <a:noFill/>
                 </a:ln>
@@ -5846,7 +5739,7 @@
               </a:spcAft>
             </a:pPr>
             <a:r>
-              <a:rPr kumimoji="1" lang="en-US" altLang="ko-KR" sz="900" b="0" i="0" u="none" strike="noStrike" cap="none" normalizeH="0" baseline="0" dirty="0" smtClean="0">
+              <a:rPr kumimoji="1" lang="en-US" altLang="ko-KR" sz="900" b="0" i="0" u="none" strike="noStrike" cap="none" normalizeH="0" baseline="0" dirty="0">
                 <a:ln>
                   <a:noFill/>
                 </a:ln>
@@ -5861,7 +5754,7 @@
               <a:t> ) export default class </a:t>
             </a:r>
             <a:r>
-              <a:rPr kumimoji="1" lang="en-US" altLang="ko-KR" sz="900" b="0" i="0" u="none" strike="noStrike" cap="none" normalizeH="0" baseline="0" dirty="0" err="1" smtClean="0">
+              <a:rPr kumimoji="1" lang="en-US" altLang="ko-KR" sz="900" b="0" i="0" u="none" strike="noStrike" cap="none" normalizeH="0" baseline="0" dirty="0" err="1">
                 <a:ln>
                   <a:noFill/>
                 </a:ln>
@@ -5876,7 +5769,7 @@
               <a:t>UserList</a:t>
             </a:r>
             <a:r>
-              <a:rPr kumimoji="1" lang="en-US" altLang="ko-KR" sz="900" b="0" i="0" u="none" strike="noStrike" cap="none" normalizeH="0" baseline="0" dirty="0" smtClean="0">
+              <a:rPr kumimoji="1" lang="en-US" altLang="ko-KR" sz="900" b="0" i="0" u="none" strike="noStrike" cap="none" normalizeH="0" baseline="0" dirty="0">
                 <a:ln>
                   <a:noFill/>
                 </a:ln>
@@ -5891,7 +5784,7 @@
               <a:t> extends Component { constructor(props) { super(props) </a:t>
             </a:r>
             <a:r>
-              <a:rPr kumimoji="1" lang="en-US" altLang="ko-KR" sz="900" b="0" i="0" u="none" strike="noStrike" cap="none" normalizeH="0" baseline="0" dirty="0" err="1" smtClean="0">
+              <a:rPr kumimoji="1" lang="en-US" altLang="ko-KR" sz="900" b="0" i="0" u="none" strike="noStrike" cap="none" normalizeH="0" baseline="0" dirty="0" err="1">
                 <a:ln>
                   <a:noFill/>
                 </a:ln>
@@ -5906,7 +5799,7 @@
               <a:t>this.state</a:t>
             </a:r>
             <a:r>
-              <a:rPr kumimoji="1" lang="en-US" altLang="ko-KR" sz="900" b="0" i="0" u="none" strike="noStrike" cap="none" normalizeH="0" baseline="0" dirty="0" smtClean="0">
+              <a:rPr kumimoji="1" lang="en-US" altLang="ko-KR" sz="900" b="0" i="0" u="none" strike="noStrike" cap="none" normalizeH="0" baseline="0" dirty="0">
                 <a:ln>
                   <a:noFill/>
                 </a:ln>
@@ -5921,7 +5814,7 @@
               <a:t> = { </a:t>
             </a:r>
             <a:r>
-              <a:rPr kumimoji="1" lang="en-US" altLang="ko-KR" sz="900" b="0" i="0" u="none" strike="noStrike" cap="none" normalizeH="0" baseline="0" dirty="0" err="1" smtClean="0">
+              <a:rPr kumimoji="1" lang="en-US" altLang="ko-KR" sz="900" b="0" i="0" u="none" strike="noStrike" cap="none" normalizeH="0" baseline="0" dirty="0" err="1">
                 <a:ln>
                   <a:noFill/>
                 </a:ln>
@@ -5936,7 +5829,7 @@
               <a:t>selectedUserId</a:t>
             </a:r>
             <a:r>
-              <a:rPr kumimoji="1" lang="en-US" altLang="ko-KR" sz="900" b="0" i="0" u="none" strike="noStrike" cap="none" normalizeH="0" baseline="0" dirty="0" smtClean="0">
+              <a:rPr kumimoji="1" lang="en-US" altLang="ko-KR" sz="900" b="0" i="0" u="none" strike="noStrike" cap="none" normalizeH="0" baseline="0" dirty="0">
                 <a:ln>
                   <a:noFill/>
                 </a:ln>
@@ -5951,7 +5844,7 @@
               <a:t>: undefined } } render() { const { users } = </a:t>
             </a:r>
             <a:r>
-              <a:rPr kumimoji="1" lang="en-US" altLang="ko-KR" sz="900" b="0" i="0" u="none" strike="noStrike" cap="none" normalizeH="0" baseline="0" dirty="0" err="1" smtClean="0">
+              <a:rPr kumimoji="1" lang="en-US" altLang="ko-KR" sz="900" b="0" i="0" u="none" strike="noStrike" cap="none" normalizeH="0" baseline="0" dirty="0" err="1">
                 <a:ln>
                   <a:noFill/>
                 </a:ln>
@@ -5966,7 +5859,7 @@
               <a:t>this.props</a:t>
             </a:r>
             <a:r>
-              <a:rPr kumimoji="1" lang="en-US" altLang="ko-KR" sz="900" b="0" i="0" u="none" strike="noStrike" cap="none" normalizeH="0" baseline="0" dirty="0" smtClean="0">
+              <a:rPr kumimoji="1" lang="en-US" altLang="ko-KR" sz="900" b="0" i="0" u="none" strike="noStrike" cap="none" normalizeH="0" baseline="0" dirty="0">
                 <a:ln>
                   <a:noFill/>
                 </a:ln>
@@ -5981,7 +5874,7 @@
               <a:t> const { </a:t>
             </a:r>
             <a:r>
-              <a:rPr kumimoji="1" lang="en-US" altLang="ko-KR" sz="900" b="0" i="0" u="none" strike="noStrike" cap="none" normalizeH="0" baseline="0" dirty="0" err="1" smtClean="0">
+              <a:rPr kumimoji="1" lang="en-US" altLang="ko-KR" sz="900" b="0" i="0" u="none" strike="noStrike" cap="none" normalizeH="0" baseline="0" dirty="0" err="1">
                 <a:ln>
                   <a:noFill/>
                 </a:ln>
@@ -5996,7 +5889,7 @@
               <a:t>selectedUserId</a:t>
             </a:r>
             <a:r>
-              <a:rPr kumimoji="1" lang="en-US" altLang="ko-KR" sz="900" b="0" i="0" u="none" strike="noStrike" cap="none" normalizeH="0" baseline="0" dirty="0" smtClean="0">
+              <a:rPr kumimoji="1" lang="en-US" altLang="ko-KR" sz="900" b="0" i="0" u="none" strike="noStrike" cap="none" normalizeH="0" baseline="0" dirty="0">
                 <a:ln>
                   <a:noFill/>
                 </a:ln>
@@ -6011,7 +5904,7 @@
               <a:t> } = </a:t>
             </a:r>
             <a:r>
-              <a:rPr kumimoji="1" lang="en-US" altLang="ko-KR" sz="900" b="0" i="0" u="none" strike="noStrike" cap="none" normalizeH="0" baseline="0" dirty="0" err="1" smtClean="0">
+              <a:rPr kumimoji="1" lang="en-US" altLang="ko-KR" sz="900" b="0" i="0" u="none" strike="noStrike" cap="none" normalizeH="0" baseline="0" dirty="0" err="1">
                 <a:ln>
                   <a:noFill/>
                 </a:ln>
@@ -6026,7 +5919,7 @@
               <a:t>this.state</a:t>
             </a:r>
             <a:r>
-              <a:rPr kumimoji="1" lang="en-US" altLang="ko-KR" sz="900" b="0" i="0" u="none" strike="noStrike" cap="none" normalizeH="0" baseline="0" dirty="0" smtClean="0">
+              <a:rPr kumimoji="1" lang="en-US" altLang="ko-KR" sz="900" b="0" i="0" u="none" strike="noStrike" cap="none" normalizeH="0" baseline="0" dirty="0">
                 <a:ln>
                   <a:noFill/>
                 </a:ln>
@@ -6051,7 +5944,7 @@
               </a:spcAft>
             </a:pPr>
             <a:r>
-              <a:rPr kumimoji="1" lang="en-US" altLang="ko-KR" sz="900" b="0" i="0" u="none" strike="noStrike" cap="none" normalizeH="0" baseline="0" dirty="0" smtClean="0">
+              <a:rPr kumimoji="1" lang="en-US" altLang="ko-KR" sz="900" b="0" i="0" u="none" strike="noStrike" cap="none" normalizeH="0" baseline="0" dirty="0">
                 <a:ln>
                   <a:noFill/>
                 </a:ln>
@@ -6066,7 +5959,7 @@
               <a:t>&lt;</a:t>
             </a:r>
             <a:r>
-              <a:rPr kumimoji="1" lang="en-US" altLang="ko-KR" sz="900" b="0" i="0" u="none" strike="noStrike" cap="none" normalizeH="0" baseline="0" dirty="0" err="1" smtClean="0">
+              <a:rPr kumimoji="1" lang="en-US" altLang="ko-KR" sz="900" b="0" i="0" u="none" strike="noStrike" cap="none" normalizeH="0" baseline="0" dirty="0" err="1">
                 <a:ln>
                   <a:noFill/>
                 </a:ln>
@@ -6081,7 +5974,7 @@
               <a:t>ul</a:t>
             </a:r>
             <a:r>
-              <a:rPr kumimoji="1" lang="en-US" altLang="ko-KR" sz="900" b="0" i="0" u="none" strike="noStrike" cap="none" normalizeH="0" baseline="0" dirty="0" smtClean="0">
+              <a:rPr kumimoji="1" lang="en-US" altLang="ko-KR" sz="900" b="0" i="0" u="none" strike="noStrike" cap="none" normalizeH="0" baseline="0" dirty="0">
                 <a:ln>
                   <a:noFill/>
                 </a:ln>
@@ -6096,7 +5989,7 @@
               <a:t> </a:t>
             </a:r>
             <a:r>
-              <a:rPr kumimoji="1" lang="en-US" altLang="ko-KR" sz="900" b="0" i="0" u="none" strike="noStrike" cap="none" normalizeH="0" baseline="0" dirty="0" err="1" smtClean="0">
+              <a:rPr kumimoji="1" lang="en-US" altLang="ko-KR" sz="900" b="0" i="0" u="none" strike="noStrike" cap="none" normalizeH="0" baseline="0" dirty="0" err="1">
                 <a:ln>
                   <a:noFill/>
                 </a:ln>
@@ -6111,7 +6004,7 @@
               <a:t>classname</a:t>
             </a:r>
             <a:r>
-              <a:rPr kumimoji="1" lang="en-US" altLang="ko-KR" sz="900" b="0" i="0" u="none" strike="noStrike" cap="none" normalizeH="0" baseline="0" dirty="0" smtClean="0">
+              <a:rPr kumimoji="1" lang="en-US" altLang="ko-KR" sz="900" b="0" i="0" u="none" strike="noStrike" cap="none" normalizeH="0" baseline="0" dirty="0">
                 <a:ln>
                   <a:noFill/>
                 </a:ln>
@@ -6126,7 +6019,7 @@
               <a:t>={</a:t>
             </a:r>
             <a:r>
-              <a:rPr kumimoji="1" lang="en-US" altLang="ko-KR" sz="900" b="0" i="0" u="none" strike="noStrike" cap="none" normalizeH="0" baseline="0" dirty="0" err="1" smtClean="0">
+              <a:rPr kumimoji="1" lang="en-US" altLang="ko-KR" sz="900" b="0" i="0" u="none" strike="noStrike" cap="none" normalizeH="0" baseline="0" dirty="0" err="1">
                 <a:ln>
                   <a:noFill/>
                 </a:ln>
@@ -6141,7 +6034,7 @@
               <a:t>styles.userList</a:t>
             </a:r>
             <a:r>
-              <a:rPr kumimoji="1" lang="en-US" altLang="ko-KR" sz="900" b="0" i="0" u="none" strike="noStrike" cap="none" normalizeH="0" baseline="0" dirty="0" smtClean="0">
+              <a:rPr kumimoji="1" lang="en-US" altLang="ko-KR" sz="900" b="0" i="0" u="none" strike="noStrike" cap="none" normalizeH="0" baseline="0" dirty="0">
                 <a:ln>
                   <a:noFill/>
                 </a:ln>
@@ -6166,7 +6059,7 @@
               </a:spcAft>
             </a:pPr>
             <a:r>
-              <a:rPr kumimoji="1" lang="en-US" altLang="ko-KR" sz="900" b="0" i="0" u="none" strike="noStrike" cap="none" normalizeH="0" baseline="0" dirty="0" smtClean="0">
+              <a:rPr kumimoji="1" lang="en-US" altLang="ko-KR" sz="900" b="0" i="0" u="none" strike="noStrike" cap="none" normalizeH="0" baseline="0" dirty="0">
                 <a:ln>
                   <a:noFill/>
                 </a:ln>
@@ -6191,7 +6084,7 @@
               </a:spcAft>
             </a:pPr>
             <a:r>
-              <a:rPr kumimoji="1" lang="en-US" altLang="ko-KR" sz="900" b="0" i="0" u="none" strike="noStrike" cap="none" normalizeH="0" baseline="0" dirty="0" smtClean="0">
+              <a:rPr kumimoji="1" lang="en-US" altLang="ko-KR" sz="900" b="0" i="0" u="none" strike="noStrike" cap="none" normalizeH="0" baseline="0" dirty="0">
                 <a:ln>
                   <a:noFill/>
                 </a:ln>
@@ -6206,7 +6099,7 @@
               <a:t>	&lt;</a:t>
             </a:r>
             <a:r>
-              <a:rPr kumimoji="1" lang="en-US" altLang="ko-KR" sz="900" b="0" i="0" u="none" strike="noStrike" cap="none" normalizeH="0" baseline="0" dirty="0" err="1" smtClean="0">
+              <a:rPr kumimoji="1" lang="en-US" altLang="ko-KR" sz="900" b="0" i="0" u="none" strike="noStrike" cap="none" normalizeH="0" baseline="0" dirty="0" err="1">
                 <a:ln>
                   <a:noFill/>
                 </a:ln>
@@ -6221,7 +6114,7 @@
               <a:t>li</a:t>
             </a:r>
             <a:r>
-              <a:rPr kumimoji="1" lang="en-US" altLang="ko-KR" sz="900" b="0" i="0" u="none" strike="noStrike" cap="none" normalizeH="0" baseline="0" dirty="0" smtClean="0">
+              <a:rPr kumimoji="1" lang="en-US" altLang="ko-KR" sz="900" b="0" i="0" u="none" strike="noStrike" cap="none" normalizeH="0" baseline="0" dirty="0">
                 <a:ln>
                   <a:noFill/>
                 </a:ln>
@@ -6236,7 +6129,7 @@
               <a:t> </a:t>
             </a:r>
             <a:r>
-              <a:rPr kumimoji="1" lang="en-US" altLang="ko-KR" sz="900" b="0" i="0" u="none" strike="noStrike" cap="none" normalizeH="0" baseline="0" dirty="0" err="1" smtClean="0">
+              <a:rPr kumimoji="1" lang="en-US" altLang="ko-KR" sz="900" b="0" i="0" u="none" strike="noStrike" cap="none" normalizeH="0" baseline="0" dirty="0" err="1">
                 <a:ln>
                   <a:noFill/>
                 </a:ln>
@@ -6251,7 +6144,7 @@
               <a:t>classname</a:t>
             </a:r>
             <a:r>
-              <a:rPr kumimoji="1" lang="en-US" altLang="ko-KR" sz="900" b="0" i="0" u="none" strike="noStrike" cap="none" normalizeH="0" baseline="0" dirty="0" smtClean="0">
+              <a:rPr kumimoji="1" lang="en-US" altLang="ko-KR" sz="900" b="0" i="0" u="none" strike="noStrike" cap="none" normalizeH="0" baseline="0" dirty="0">
                 <a:ln>
                   <a:noFill/>
                 </a:ln>
@@ -6266,7 +6159,7 @@
               <a:t>={</a:t>
             </a:r>
             <a:r>
-              <a:rPr kumimoji="1" lang="en-US" altLang="ko-KR" sz="900" b="0" i="0" u="none" strike="noStrike" cap="none" normalizeH="0" baseline="0" dirty="0" err="1" smtClean="0">
+              <a:rPr kumimoji="1" lang="en-US" altLang="ko-KR" sz="900" b="0" i="0" u="none" strike="noStrike" cap="none" normalizeH="0" baseline="0" dirty="0" err="1">
                 <a:ln>
                   <a:noFill/>
                 </a:ln>
@@ -6281,7 +6174,7 @@
               <a:t>classNames</a:t>
             </a:r>
             <a:r>
-              <a:rPr kumimoji="1" lang="en-US" altLang="ko-KR" sz="900" b="0" i="0" u="none" strike="noStrike" cap="none" normalizeH="0" baseline="0" dirty="0" smtClean="0">
+              <a:rPr kumimoji="1" lang="en-US" altLang="ko-KR" sz="900" b="0" i="0" u="none" strike="noStrike" cap="none" normalizeH="0" baseline="0" dirty="0">
                 <a:ln>
                   <a:noFill/>
                 </a:ln>
@@ -6296,7 +6189,7 @@
               <a:t>(</a:t>
             </a:r>
             <a:r>
-              <a:rPr kumimoji="1" lang="en-US" altLang="ko-KR" sz="900" b="0" i="0" u="none" strike="noStrike" cap="none" normalizeH="0" baseline="0" dirty="0" err="1" smtClean="0">
+              <a:rPr kumimoji="1" lang="en-US" altLang="ko-KR" sz="900" b="0" i="0" u="none" strike="noStrike" cap="none" normalizeH="0" baseline="0" dirty="0" err="1">
                 <a:ln>
                   <a:noFill/>
                 </a:ln>
@@ -6311,7 +6204,7 @@
               <a:t>styles.userItem</a:t>
             </a:r>
             <a:r>
-              <a:rPr kumimoji="1" lang="en-US" altLang="ko-KR" sz="900" b="0" i="0" u="none" strike="noStrike" cap="none" normalizeH="0" baseline="0" dirty="0" smtClean="0">
+              <a:rPr kumimoji="1" lang="en-US" altLang="ko-KR" sz="900" b="0" i="0" u="none" strike="noStrike" cap="none" normalizeH="0" baseline="0" dirty="0">
                 <a:ln>
                   <a:noFill/>
                 </a:ln>
@@ -6326,7 +6219,7 @@
               <a:t>, { [</a:t>
             </a:r>
             <a:r>
-              <a:rPr kumimoji="1" lang="en-US" altLang="ko-KR" sz="900" b="0" i="0" u="none" strike="noStrike" cap="none" normalizeH="0" baseline="0" dirty="0" err="1" smtClean="0">
+              <a:rPr kumimoji="1" lang="en-US" altLang="ko-KR" sz="900" b="0" i="0" u="none" strike="noStrike" cap="none" normalizeH="0" baseline="0" dirty="0" err="1">
                 <a:ln>
                   <a:noFill/>
                 </a:ln>
@@ -6341,7 +6234,7 @@
               <a:t>styles.selected</a:t>
             </a:r>
             <a:r>
-              <a:rPr kumimoji="1" lang="en-US" altLang="ko-KR" sz="900" b="0" i="0" u="none" strike="noStrike" cap="none" normalizeH="0" baseline="0" dirty="0" smtClean="0">
+              <a:rPr kumimoji="1" lang="en-US" altLang="ko-KR" sz="900" b="0" i="0" u="none" strike="noStrike" cap="none" normalizeH="0" baseline="0" dirty="0">
                 <a:ln>
                   <a:noFill/>
                 </a:ln>
@@ -6356,7 +6249,7 @@
               <a:t>]: user.id===</a:t>
             </a:r>
             <a:r>
-              <a:rPr kumimoji="1" lang="en-US" altLang="ko-KR" sz="900" b="0" i="0" u="none" strike="noStrike" cap="none" normalizeH="0" baseline="0" dirty="0" err="1" smtClean="0">
+              <a:rPr kumimoji="1" lang="en-US" altLang="ko-KR" sz="900" b="0" i="0" u="none" strike="noStrike" cap="none" normalizeH="0" baseline="0" dirty="0" err="1">
                 <a:ln>
                   <a:noFill/>
                 </a:ln>
@@ -6371,7 +6264,7 @@
               <a:t>selectedUserId</a:t>
             </a:r>
             <a:r>
-              <a:rPr kumimoji="1" lang="en-US" altLang="ko-KR" sz="900" b="0" i="0" u="none" strike="noStrike" cap="none" normalizeH="0" baseline="0" dirty="0" smtClean="0">
+              <a:rPr kumimoji="1" lang="en-US" altLang="ko-KR" sz="900" b="0" i="0" u="none" strike="noStrike" cap="none" normalizeH="0" baseline="0" dirty="0">
                 <a:ln>
                   <a:noFill/>
                 </a:ln>
@@ -6386,7 +6279,7 @@
               <a:t> })}&gt; { user.name } &lt;/</a:t>
             </a:r>
             <a:r>
-              <a:rPr kumimoji="1" lang="en-US" altLang="ko-KR" sz="900" b="0" i="0" u="none" strike="noStrike" cap="none" normalizeH="0" baseline="0" dirty="0" err="1" smtClean="0">
+              <a:rPr kumimoji="1" lang="en-US" altLang="ko-KR" sz="900" b="0" i="0" u="none" strike="noStrike" cap="none" normalizeH="0" baseline="0" dirty="0" err="1">
                 <a:ln>
                   <a:noFill/>
                 </a:ln>
@@ -6401,7 +6294,7 @@
               <a:t>li</a:t>
             </a:r>
             <a:r>
-              <a:rPr kumimoji="1" lang="en-US" altLang="ko-KR" sz="900" b="0" i="0" u="none" strike="noStrike" cap="none" normalizeH="0" baseline="0" dirty="0" smtClean="0">
+              <a:rPr kumimoji="1" lang="en-US" altLang="ko-KR" sz="900" b="0" i="0" u="none" strike="noStrike" cap="none" normalizeH="0" baseline="0" dirty="0">
                 <a:ln>
                   <a:noFill/>
                 </a:ln>
@@ -6426,7 +6319,7 @@
               </a:spcAft>
             </a:pPr>
             <a:r>
-              <a:rPr kumimoji="1" lang="en-US" altLang="ko-KR" sz="900" b="0" i="0" u="none" strike="noStrike" cap="none" normalizeH="0" baseline="0" dirty="0" smtClean="0">
+              <a:rPr kumimoji="1" lang="en-US" altLang="ko-KR" sz="900" b="0" i="0" u="none" strike="noStrike" cap="none" normalizeH="0" baseline="0" dirty="0">
                 <a:ln>
                   <a:noFill/>
                 </a:ln>
@@ -6451,7 +6344,7 @@
               </a:spcAft>
             </a:pPr>
             <a:r>
-              <a:rPr kumimoji="1" lang="en-US" altLang="ko-KR" sz="900" b="0" i="0" u="none" strike="noStrike" cap="none" normalizeH="0" baseline="0" dirty="0" smtClean="0">
+              <a:rPr kumimoji="1" lang="en-US" altLang="ko-KR" sz="900" b="0" i="0" u="none" strike="noStrike" cap="none" normalizeH="0" baseline="0" dirty="0">
                 <a:ln>
                   <a:noFill/>
                 </a:ln>
@@ -6466,7 +6359,7 @@
               <a:t>&lt;/</a:t>
             </a:r>
             <a:r>
-              <a:rPr kumimoji="1" lang="en-US" altLang="ko-KR" sz="900" b="0" i="0" u="none" strike="noStrike" cap="none" normalizeH="0" baseline="0" dirty="0" err="1" smtClean="0">
+              <a:rPr kumimoji="1" lang="en-US" altLang="ko-KR" sz="900" b="0" i="0" u="none" strike="noStrike" cap="none" normalizeH="0" baseline="0" dirty="0" err="1">
                 <a:ln>
                   <a:noFill/>
                 </a:ln>
@@ -6481,7 +6374,7 @@
               <a:t>ul</a:t>
             </a:r>
             <a:r>
-              <a:rPr kumimoji="1" lang="en-US" altLang="ko-KR" sz="900" b="0" i="0" u="none" strike="noStrike" cap="none" normalizeH="0" baseline="0" dirty="0" smtClean="0">
+              <a:rPr kumimoji="1" lang="en-US" altLang="ko-KR" sz="900" b="0" i="0" u="none" strike="noStrike" cap="none" normalizeH="0" baseline="0" dirty="0">
                 <a:ln>
                   <a:noFill/>
                 </a:ln>
@@ -6506,7 +6399,7 @@
               </a:spcAft>
             </a:pPr>
             <a:r>
-              <a:rPr kumimoji="1" lang="en-US" altLang="ko-KR" sz="900" b="0" i="0" u="none" strike="noStrike" cap="none" normalizeH="0" baseline="0" dirty="0" smtClean="0">
+              <a:rPr kumimoji="1" lang="en-US" altLang="ko-KR" sz="900" b="0" i="0" u="none" strike="noStrike" cap="none" normalizeH="0" baseline="0" dirty="0">
                 <a:ln>
                   <a:noFill/>
                 </a:ln>
@@ -6520,7 +6413,7 @@
               </a:rPr>
               <a:t> ) } }</a:t>
             </a:r>
-            <a:endParaRPr kumimoji="1" lang="ko-KR" altLang="ko-KR" sz="1800" b="0" i="0" u="none" strike="noStrike" cap="none" normalizeH="0" baseline="0" dirty="0" smtClean="0">
+            <a:endParaRPr kumimoji="1" lang="ko-KR" altLang="ko-KR" sz="1800" b="0" i="0" u="none" strike="noStrike" cap="none" normalizeH="0" baseline="0" dirty="0">
               <a:ln>
                 <a:noFill/>
               </a:ln>
@@ -6557,34 +6450,34 @@
           <a:lstStyle/>
           <a:p>
             <a:r>
-              <a:rPr lang="en-US" altLang="ko-KR" dirty="0" smtClean="0">
+              <a:rPr lang="en-US" altLang="ko-KR" dirty="0">
                 <a:hlinkClick r:id="rId2"/>
               </a:rPr>
               <a:t>https://github.com/facebook/create-react-app</a:t>
             </a:r>
-            <a:endParaRPr lang="en-US" altLang="ko-KR" dirty="0" smtClean="0"/>
-          </a:p>
-          <a:p>
             <a:endParaRPr lang="en-US" altLang="ko-KR" dirty="0"/>
           </a:p>
           <a:p>
-            <a:r>
-              <a:rPr lang="en-US" altLang="ko-KR" dirty="0" smtClean="0"/>
+            <a:endParaRPr lang="en-US" altLang="ko-KR" dirty="0"/>
+          </a:p>
+          <a:p>
+            <a:r>
+              <a:rPr lang="en-US" altLang="ko-KR" dirty="0"/>
               <a:t>Node </a:t>
             </a:r>
             <a:r>
-              <a:rPr lang="ko-KR" altLang="en-US" dirty="0" smtClean="0"/>
+              <a:rPr lang="ko-KR" altLang="en-US" dirty="0"/>
               <a:t>설치</a:t>
             </a:r>
-            <a:endParaRPr lang="en-US" altLang="ko-KR" dirty="0" smtClean="0"/>
-          </a:p>
-          <a:p>
-            <a:r>
-              <a:rPr lang="en-US" altLang="ko-KR" dirty="0" err="1" smtClean="0"/>
+            <a:endParaRPr lang="en-US" altLang="ko-KR" dirty="0"/>
+          </a:p>
+          <a:p>
+            <a:r>
+              <a:rPr lang="en-US" altLang="ko-KR" dirty="0" err="1"/>
               <a:t>Npm</a:t>
             </a:r>
             <a:r>
-              <a:rPr lang="en-US" altLang="ko-KR" dirty="0" smtClean="0"/>
+              <a:rPr lang="en-US" altLang="ko-KR" dirty="0"/>
               <a:t> install or yarn start</a:t>
             </a:r>
           </a:p>
@@ -6592,11 +6485,11 @@
             <a:endParaRPr lang="en-US" altLang="ko-KR" dirty="0"/>
           </a:p>
           <a:p>
-            <a:endParaRPr lang="en-US" altLang="ko-KR" dirty="0" smtClean="0"/>
-          </a:p>
-          <a:p>
-            <a:r>
-              <a:rPr lang="en-US" altLang="ko-KR" dirty="0" smtClean="0">
+            <a:endParaRPr lang="en-US" altLang="ko-KR" dirty="0"/>
+          </a:p>
+          <a:p>
+            <a:r>
+              <a:rPr lang="en-US" altLang="ko-KR" dirty="0">
                 <a:hlinkClick r:id="rId3"/>
               </a:rPr>
               <a:t>https://www.inflearn.com/course/reactjs-web/lecture/8278</a:t>
@@ -6627,11 +6520,11 @@
           <a:lstStyle/>
           <a:p>
             <a:r>
-              <a:rPr lang="en-US" altLang="ko-KR" sz="1500" dirty="0" err="1" smtClean="0"/>
+              <a:rPr lang="en-US" altLang="ko-KR" sz="1500" dirty="0" err="1"/>
               <a:t>Frent</a:t>
             </a:r>
             <a:r>
-              <a:rPr lang="en-US" altLang="ko-KR" sz="1500" dirty="0" smtClean="0"/>
+              <a:rPr lang="en-US" altLang="ko-KR" sz="1500" dirty="0"/>
               <a:t> End Framework Source Line Compare</a:t>
             </a:r>
             <a:endParaRPr lang="ko-KR" altLang="en-US" sz="1500" dirty="0"/>
@@ -6643,13 +6536,6 @@
   <p:clrMapOvr>
     <a:masterClrMapping/>
   </p:clrMapOvr>
-  <p:timing>
-    <p:tnLst>
-      <p:par>
-        <p:cTn id="1" dur="indefinite" restart="never" nodeType="tmRoot"/>
-      </p:par>
-    </p:tnLst>
-  </p:timing>
 </p:sld>
 </file>
 
@@ -7085,7 +6971,7 @@
           <a:lstStyle/>
           <a:p>
             <a:r>
-              <a:rPr lang="en-US" altLang="ko-KR" dirty="0" smtClean="0">
+              <a:rPr lang="en-US" altLang="ko-KR" dirty="0">
                 <a:hlinkClick r:id="rId7"/>
               </a:rPr>
               <a:t>https://github.com/facebook/create-react-app</a:t>

--- a/doc/3주차 스터디 IDE.pptx
+++ b/doc/3주차 스터디 IDE.pptx
@@ -309,7 +309,7 @@
             <a:fld id="{CD6DEE77-0C1D-458A-9EBD-426B5B8D0F81}" type="datetimeFigureOut">
               <a:rPr lang="ko-KR" altLang="en-US" smtClean="0"/>
               <a:pPr/>
-              <a:t>2019-07-26</a:t>
+              <a:t>2019-07-28</a:t>
             </a:fld>
             <a:endParaRPr lang="ko-KR" altLang="en-US"/>
           </a:p>
@@ -474,7 +474,7 @@
             <a:fld id="{CD6DEE77-0C1D-458A-9EBD-426B5B8D0F81}" type="datetimeFigureOut">
               <a:rPr lang="ko-KR" altLang="en-US" smtClean="0"/>
               <a:pPr/>
-              <a:t>2019-07-26</a:t>
+              <a:t>2019-07-28</a:t>
             </a:fld>
             <a:endParaRPr lang="ko-KR" altLang="en-US"/>
           </a:p>
@@ -649,7 +649,7 @@
             <a:fld id="{CD6DEE77-0C1D-458A-9EBD-426B5B8D0F81}" type="datetimeFigureOut">
               <a:rPr lang="ko-KR" altLang="en-US" smtClean="0"/>
               <a:pPr/>
-              <a:t>2019-07-26</a:t>
+              <a:t>2019-07-28</a:t>
             </a:fld>
             <a:endParaRPr lang="ko-KR" altLang="en-US"/>
           </a:p>
@@ -822,7 +822,7 @@
             <a:fld id="{CD6DEE77-0C1D-458A-9EBD-426B5B8D0F81}" type="datetimeFigureOut">
               <a:rPr lang="ko-KR" altLang="en-US" smtClean="0"/>
               <a:pPr/>
-              <a:t>2019-07-26</a:t>
+              <a:t>2019-07-28</a:t>
             </a:fld>
             <a:endParaRPr lang="ko-KR" altLang="en-US"/>
           </a:p>
@@ -1064,7 +1064,7 @@
             <a:fld id="{CD6DEE77-0C1D-458A-9EBD-426B5B8D0F81}" type="datetimeFigureOut">
               <a:rPr lang="ko-KR" altLang="en-US" smtClean="0"/>
               <a:pPr/>
-              <a:t>2019-07-26</a:t>
+              <a:t>2019-07-28</a:t>
             </a:fld>
             <a:endParaRPr lang="ko-KR" altLang="en-US"/>
           </a:p>
@@ -1346,7 +1346,7 @@
             <a:fld id="{CD6DEE77-0C1D-458A-9EBD-426B5B8D0F81}" type="datetimeFigureOut">
               <a:rPr lang="ko-KR" altLang="en-US" smtClean="0"/>
               <a:pPr/>
-              <a:t>2019-07-26</a:t>
+              <a:t>2019-07-28</a:t>
             </a:fld>
             <a:endParaRPr lang="ko-KR" altLang="en-US"/>
           </a:p>
@@ -1762,7 +1762,7 @@
             <a:fld id="{CD6DEE77-0C1D-458A-9EBD-426B5B8D0F81}" type="datetimeFigureOut">
               <a:rPr lang="ko-KR" altLang="en-US" smtClean="0"/>
               <a:pPr/>
-              <a:t>2019-07-26</a:t>
+              <a:t>2019-07-28</a:t>
             </a:fld>
             <a:endParaRPr lang="ko-KR" altLang="en-US"/>
           </a:p>
@@ -1876,7 +1876,7 @@
             <a:fld id="{CD6DEE77-0C1D-458A-9EBD-426B5B8D0F81}" type="datetimeFigureOut">
               <a:rPr lang="ko-KR" altLang="en-US" smtClean="0"/>
               <a:pPr/>
-              <a:t>2019-07-26</a:t>
+              <a:t>2019-07-28</a:t>
             </a:fld>
             <a:endParaRPr lang="ko-KR" altLang="en-US"/>
           </a:p>
@@ -1968,7 +1968,7 @@
             <a:fld id="{CD6DEE77-0C1D-458A-9EBD-426B5B8D0F81}" type="datetimeFigureOut">
               <a:rPr lang="ko-KR" altLang="en-US" smtClean="0"/>
               <a:pPr/>
-              <a:t>2019-07-26</a:t>
+              <a:t>2019-07-28</a:t>
             </a:fld>
             <a:endParaRPr lang="ko-KR" altLang="en-US"/>
           </a:p>
@@ -2240,7 +2240,7 @@
             <a:fld id="{CD6DEE77-0C1D-458A-9EBD-426B5B8D0F81}" type="datetimeFigureOut">
               <a:rPr lang="ko-KR" altLang="en-US" smtClean="0"/>
               <a:pPr/>
-              <a:t>2019-07-26</a:t>
+              <a:t>2019-07-28</a:t>
             </a:fld>
             <a:endParaRPr lang="ko-KR" altLang="en-US"/>
           </a:p>
@@ -2489,7 +2489,7 @@
             <a:fld id="{CD6DEE77-0C1D-458A-9EBD-426B5B8D0F81}" type="datetimeFigureOut">
               <a:rPr lang="ko-KR" altLang="en-US" smtClean="0"/>
               <a:pPr/>
-              <a:t>2019-07-26</a:t>
+              <a:t>2019-07-28</a:t>
             </a:fld>
             <a:endParaRPr lang="ko-KR" altLang="en-US"/>
           </a:p>
@@ -2697,7 +2697,7 @@
             <a:fld id="{CD6DEE77-0C1D-458A-9EBD-426B5B8D0F81}" type="datetimeFigureOut">
               <a:rPr lang="ko-KR" altLang="en-US" smtClean="0"/>
               <a:pPr/>
-              <a:t>2019-07-26</a:t>
+              <a:t>2019-07-28</a:t>
             </a:fld>
             <a:endParaRPr lang="ko-KR" altLang="en-US"/>
           </a:p>
@@ -4046,123 +4046,6 @@
           </a:p>
         </p:txBody>
       </p:sp>
-      <p:sp>
-        <p:nvSpPr>
-          <p:cNvPr id="2" name="직사각형 1"/>
-          <p:cNvSpPr/>
-          <p:nvPr/>
-        </p:nvSpPr>
-        <p:spPr>
-          <a:xfrm>
-            <a:off x="755576" y="908720"/>
-            <a:ext cx="3096344" cy="2592288"/>
-          </a:xfrm>
-          <a:prstGeom prst="rect">
-            <a:avLst/>
-          </a:prstGeom>
-        </p:spPr>
-        <p:style>
-          <a:lnRef idx="2">
-            <a:schemeClr val="accent1">
-              <a:shade val="50000"/>
-            </a:schemeClr>
-          </a:lnRef>
-          <a:fillRef idx="1">
-            <a:schemeClr val="accent1"/>
-          </a:fillRef>
-          <a:effectRef idx="0">
-            <a:schemeClr val="accent1"/>
-          </a:effectRef>
-          <a:fontRef idx="minor">
-            <a:schemeClr val="lt1"/>
-          </a:fontRef>
-        </p:style>
-        <p:txBody>
-          <a:bodyPr rtlCol="0" anchor="ctr"/>
-          <a:lstStyle/>
-          <a:p>
-            <a:pPr algn="ctr"/>
-            <a:r>
-              <a:rPr lang="en-US" altLang="ko-KR" dirty="0"/>
-              <a:t>OS</a:t>
-            </a:r>
-          </a:p>
-          <a:p>
-            <a:pPr algn="ctr"/>
-            <a:r>
-              <a:rPr lang="en-US" altLang="ko-KR" dirty="0"/>
-              <a:t>Node.js Install</a:t>
-            </a:r>
-          </a:p>
-          <a:p>
-            <a:pPr algn="ctr"/>
-            <a:endParaRPr lang="en-US" altLang="ko-KR" dirty="0"/>
-          </a:p>
-          <a:p>
-            <a:pPr algn="ctr"/>
-            <a:r>
-              <a:rPr lang="en-US" altLang="ko-KR" dirty="0"/>
-              <a:t>/.</a:t>
-            </a:r>
-            <a:r>
-              <a:rPr lang="en-US" altLang="ko-KR" dirty="0" err="1"/>
-              <a:t>bablerc</a:t>
-            </a:r>
-            <a:endParaRPr lang="en-US" altLang="ko-KR" dirty="0"/>
-          </a:p>
-          <a:p>
-            <a:pPr algn="ctr"/>
-            <a:r>
-              <a:rPr lang="en-US" altLang="ko-KR" dirty="0"/>
-              <a:t>/</a:t>
-            </a:r>
-            <a:r>
-              <a:rPr lang="en-US" altLang="ko-KR" dirty="0" err="1"/>
-              <a:t>package.json</a:t>
-            </a:r>
-            <a:endParaRPr lang="en-US" altLang="ko-KR" dirty="0"/>
-          </a:p>
-          <a:p>
-            <a:pPr algn="ctr"/>
-            <a:r>
-              <a:rPr lang="en-US" altLang="ko-KR" dirty="0"/>
-              <a:t>/webpack.config.js</a:t>
-            </a:r>
-            <a:endParaRPr lang="ko-KR" altLang="en-US" dirty="0"/>
-          </a:p>
-        </p:txBody>
-      </p:sp>
-      <p:sp>
-        <p:nvSpPr>
-          <p:cNvPr id="3" name="직사각형 2"/>
-          <p:cNvSpPr/>
-          <p:nvPr/>
-        </p:nvSpPr>
-        <p:spPr>
-          <a:xfrm>
-            <a:off x="755576" y="4509120"/>
-            <a:ext cx="4572000" cy="2031325"/>
-          </a:xfrm>
-          <a:prstGeom prst="rect">
-            <a:avLst/>
-          </a:prstGeom>
-        </p:spPr>
-        <p:txBody>
-          <a:bodyPr>
-            <a:spAutoFit/>
-          </a:bodyPr>
-          <a:lstStyle/>
-          <a:p>
-            <a:r>
-              <a:rPr lang="en-US" altLang="ko-KR" dirty="0">
-                <a:hlinkClick r:id="rId2"/>
-              </a:rPr>
-              <a:t>https://medium.com/@benjaminwoojang/webpack-4%EC%99%80-babel-7%EC%9C%BC%EB%A1%9C-react%EA%B0%9C%EB%B0%9C%ED%99%98%EA%B2%BD-%EC%85%8B%EC%97%85%ED%95%98%EA%B8%B0-340e00d2760b</a:t>
-            </a:r>
-            <a:endParaRPr lang="ko-KR" altLang="en-US" dirty="0"/>
-          </a:p>
-        </p:txBody>
-      </p:sp>
     </p:spTree>
   </p:cSld>
   <p:clrMapOvr>
